--- a/Slides/EF6 vs EFCore.pptx
+++ b/Slides/EF6 vs EFCore.pptx
@@ -2,7 +2,7 @@
 <file path=ppt/presentation.xml><?xml version="1.0" encoding="utf-8"?>
 <p:presentation xmlns:a="http://schemas.openxmlformats.org/drawingml/2006/main" xmlns:r="http://schemas.openxmlformats.org/officeDocument/2006/relationships" xmlns:p="http://schemas.openxmlformats.org/presentationml/2006/main" autoCompressPictures="0">
   <p:sldMasterIdLst>
-    <p:sldMasterId id="2147483840" r:id="rId1"/>
+    <p:sldMasterId id="2147483852" r:id="rId1"/>
   </p:sldMasterIdLst>
   <p:sldIdLst>
     <p:sldId id="256" r:id="rId2"/>
@@ -106,7 +106,16 @@
       </a:defRPr>
     </a:lvl9pPr>
   </p:defaultTextStyle>
+  <p:extLst>
+    <p:ext uri="{EFAFB233-063F-42B5-8137-9DF3F51BA10A}">
+      <p15:sldGuideLst xmlns:p15="http://schemas.microsoft.com/office/powerpoint/2012/main"/>
+    </p:ext>
+  </p:extLst>
 </p:presentation>
+</file>
+
+<file path=ppt/revisionInfo.xml><?xml version="1.0" encoding="utf-8"?>
+<p1510:revInfo xmlns:a="http://schemas.openxmlformats.org/drawingml/2006/main" xmlns:r="http://schemas.openxmlformats.org/officeDocument/2006/relationships" xmlns:p1510="http://schemas.microsoft.com/office/powerpoint/2015/10/main"/>
 </file>
 
 <file path=ppt/slideLayouts/slideLayout1.xml><?xml version="1.0" encoding="utf-8"?>
@@ -128,96 +137,18 @@
       </p:grpSpPr>
       <p:sp>
         <p:nvSpPr>
-          <p:cNvPr id="7" name="Rectangle 6"/>
-          <p:cNvSpPr/>
-          <p:nvPr/>
+          <p:cNvPr id="2" name="Title 1"/>
+          <p:cNvSpPr>
+            <a:spLocks noGrp="1"/>
+          </p:cNvSpPr>
+          <p:nvPr>
+            <p:ph type="ctrTitle"/>
+          </p:nvPr>
         </p:nvSpPr>
         <p:spPr>
           <a:xfrm>
-            <a:off x="0" y="761999"/>
-            <a:ext cx="9141619" cy="5334001"/>
-          </a:xfrm>
-          <a:prstGeom prst="rect">
-            <a:avLst/>
-          </a:prstGeom>
-          <a:solidFill>
-            <a:schemeClr val="accent1"/>
-          </a:solidFill>
-          <a:ln>
-            <a:noFill/>
-          </a:ln>
-        </p:spPr>
-        <p:style>
-          <a:lnRef idx="2">
-            <a:schemeClr val="accent1">
-              <a:shade val="50000"/>
-            </a:schemeClr>
-          </a:lnRef>
-          <a:fillRef idx="1">
-            <a:schemeClr val="accent1"/>
-          </a:fillRef>
-          <a:effectRef idx="0">
-            <a:schemeClr val="accent1"/>
-          </a:effectRef>
-          <a:fontRef idx="minor">
-            <a:schemeClr val="lt1"/>
-          </a:fontRef>
-        </p:style>
-      </p:sp>
-      <p:sp>
-        <p:nvSpPr>
-          <p:cNvPr id="8" name="Rectangle 7"/>
-          <p:cNvSpPr/>
-          <p:nvPr/>
-        </p:nvSpPr>
-        <p:spPr>
-          <a:xfrm>
-            <a:off x="9270263" y="761999"/>
-            <a:ext cx="2925318" cy="5334001"/>
-          </a:xfrm>
-          <a:prstGeom prst="rect">
-            <a:avLst/>
-          </a:prstGeom>
-          <a:solidFill>
-            <a:srgbClr val="C8C8C8">
-              <a:alpha val="49804"/>
-            </a:srgbClr>
-          </a:solidFill>
-          <a:ln>
-            <a:noFill/>
-          </a:ln>
-        </p:spPr>
-        <p:style>
-          <a:lnRef idx="2">
-            <a:schemeClr val="accent1">
-              <a:shade val="50000"/>
-            </a:schemeClr>
-          </a:lnRef>
-          <a:fillRef idx="1">
-            <a:schemeClr val="accent1"/>
-          </a:fillRef>
-          <a:effectRef idx="0">
-            <a:schemeClr val="accent1"/>
-          </a:effectRef>
-          <a:fontRef idx="minor">
-            <a:schemeClr val="lt1"/>
-          </a:fontRef>
-        </p:style>
-      </p:sp>
-      <p:sp>
-        <p:nvSpPr>
-          <p:cNvPr id="2" name="Title 1"/>
-          <p:cNvSpPr>
-            <a:spLocks noGrp="1"/>
-          </p:cNvSpPr>
-          <p:nvPr>
-            <p:ph type="ctrTitle"/>
-          </p:nvPr>
-        </p:nvSpPr>
-        <p:spPr>
-          <a:xfrm>
-            <a:off x="1069848" y="1298448"/>
-            <a:ext cx="7315200" cy="3255264"/>
+            <a:off x="684212" y="685799"/>
+            <a:ext cx="8001000" cy="2971801"/>
           </a:xfrm>
         </p:spPr>
         <p:txBody>
@@ -226,10 +157,8 @@
           </a:bodyPr>
           <a:lstStyle>
             <a:lvl1pPr algn="l">
-              <a:defRPr sz="5900" spc="-100" baseline="0">
-                <a:solidFill>
-                  <a:srgbClr val="FFFFFF"/>
-                </a:solidFill>
+              <a:defRPr sz="4800">
+                <a:effectLst/>
               </a:defRPr>
             </a:lvl1pPr>
           </a:lstStyle>
@@ -254,8 +183,8 @@
         </p:nvSpPr>
         <p:spPr>
           <a:xfrm>
-            <a:off x="1100015" y="4670246"/>
-            <a:ext cx="7315200" cy="914400"/>
+            <a:off x="684212" y="3843867"/>
+            <a:ext cx="6400800" cy="1947333"/>
           </a:xfrm>
         </p:spPr>
         <p:txBody>
@@ -265,46 +194,93 @@
           <a:lstStyle>
             <a:lvl1pPr marL="0" indent="0" algn="l">
               <a:buNone/>
-              <a:defRPr sz="2200" cap="none" spc="0" baseline="0">
-                <a:solidFill>
-                  <a:schemeClr val="accent1">
-                    <a:lumMod val="20000"/>
-                    <a:lumOff val="80000"/>
+              <a:defRPr sz="2100">
+                <a:solidFill>
+                  <a:schemeClr val="bg2">
+                    <a:lumMod val="75000"/>
                   </a:schemeClr>
                 </a:solidFill>
               </a:defRPr>
             </a:lvl1pPr>
             <a:lvl2pPr marL="457200" indent="0" algn="ctr">
               <a:buNone/>
-              <a:defRPr sz="2200"/>
+              <a:defRPr>
+                <a:solidFill>
+                  <a:schemeClr val="tx1">
+                    <a:tint val="75000"/>
+                  </a:schemeClr>
+                </a:solidFill>
+              </a:defRPr>
             </a:lvl2pPr>
             <a:lvl3pPr marL="914400" indent="0" algn="ctr">
               <a:buNone/>
-              <a:defRPr sz="2200"/>
+              <a:defRPr>
+                <a:solidFill>
+                  <a:schemeClr val="tx1">
+                    <a:tint val="75000"/>
+                  </a:schemeClr>
+                </a:solidFill>
+              </a:defRPr>
             </a:lvl3pPr>
             <a:lvl4pPr marL="1371600" indent="0" algn="ctr">
               <a:buNone/>
-              <a:defRPr sz="2000"/>
+              <a:defRPr>
+                <a:solidFill>
+                  <a:schemeClr val="tx1">
+                    <a:tint val="75000"/>
+                  </a:schemeClr>
+                </a:solidFill>
+              </a:defRPr>
             </a:lvl4pPr>
             <a:lvl5pPr marL="1828800" indent="0" algn="ctr">
               <a:buNone/>
-              <a:defRPr sz="2000"/>
+              <a:defRPr>
+                <a:solidFill>
+                  <a:schemeClr val="tx1">
+                    <a:tint val="75000"/>
+                  </a:schemeClr>
+                </a:solidFill>
+              </a:defRPr>
             </a:lvl5pPr>
             <a:lvl6pPr marL="2286000" indent="0" algn="ctr">
               <a:buNone/>
-              <a:defRPr sz="2000"/>
+              <a:defRPr>
+                <a:solidFill>
+                  <a:schemeClr val="tx1">
+                    <a:tint val="75000"/>
+                  </a:schemeClr>
+                </a:solidFill>
+              </a:defRPr>
             </a:lvl6pPr>
             <a:lvl7pPr marL="2743200" indent="0" algn="ctr">
               <a:buNone/>
-              <a:defRPr sz="2000"/>
+              <a:defRPr>
+                <a:solidFill>
+                  <a:schemeClr val="tx1">
+                    <a:tint val="75000"/>
+                  </a:schemeClr>
+                </a:solidFill>
+              </a:defRPr>
             </a:lvl7pPr>
             <a:lvl8pPr marL="3200400" indent="0" algn="ctr">
               <a:buNone/>
-              <a:defRPr sz="2000"/>
+              <a:defRPr>
+                <a:solidFill>
+                  <a:schemeClr val="tx1">
+                    <a:tint val="75000"/>
+                  </a:schemeClr>
+                </a:solidFill>
+              </a:defRPr>
             </a:lvl8pPr>
             <a:lvl9pPr marL="3657600" indent="0" algn="ctr">
               <a:buNone/>
-              <a:defRPr sz="2000"/>
+              <a:defRPr>
+                <a:solidFill>
+                  <a:schemeClr val="tx1">
+                    <a:tint val="75000"/>
+                  </a:schemeClr>
+                </a:solidFill>
+              </a:defRPr>
             </a:lvl9pPr>
           </a:lstStyle>
           <a:p>
@@ -332,9 +308,9 @@
           <a:lstStyle/>
           <a:p>
             <a:fld id="{5586B75A-687E-405C-8A0B-8D00578BA2C3}" type="datetimeFigureOut">
-              <a:rPr lang="en-US" dirty="0"/>
+              <a:rPr lang="en-US" smtClean="0"/>
               <a:pPr/>
-              <a:t>9/28/2017</a:t>
+              <a:t>9/29/2017</a:t>
             </a:fld>
             <a:endParaRPr lang="en-US" dirty="0"/>
           </a:p>
@@ -375,7 +351,7 @@
           <a:lstStyle/>
           <a:p>
             <a:fld id="{4FAB73BC-B049-4115-A692-8D63A059BFB8}" type="slidenum">
-              <a:rPr lang="en-US" dirty="0"/>
+              <a:rPr lang="en-US" smtClean="0"/>
               <a:pPr/>
               <a:t>‹#›</a:t>
             </a:fld>
@@ -383,7 +359,187 @@
           </a:p>
         </p:txBody>
       </p:sp>
+      <p:cxnSp>
+        <p:nvCxnSpPr>
+          <p:cNvPr id="16" name="Straight Connector 15"/>
+          <p:cNvCxnSpPr/>
+          <p:nvPr/>
+        </p:nvCxnSpPr>
+        <p:spPr>
+          <a:xfrm flipH="1">
+            <a:off x="8228012" y="8467"/>
+            <a:ext cx="3810000" cy="3810000"/>
+          </a:xfrm>
+          <a:prstGeom prst="line">
+            <a:avLst/>
+          </a:prstGeom>
+          <a:ln w="12700">
+            <a:solidFill>
+              <a:schemeClr val="tx1"/>
+            </a:solidFill>
+          </a:ln>
+        </p:spPr>
+        <p:style>
+          <a:lnRef idx="2">
+            <a:schemeClr val="accent1"/>
+          </a:lnRef>
+          <a:fillRef idx="0">
+            <a:schemeClr val="accent1"/>
+          </a:fillRef>
+          <a:effectRef idx="1">
+            <a:schemeClr val="accent1"/>
+          </a:effectRef>
+          <a:fontRef idx="minor">
+            <a:schemeClr val="tx1"/>
+          </a:fontRef>
+        </p:style>
+      </p:cxnSp>
+      <p:cxnSp>
+        <p:nvCxnSpPr>
+          <p:cNvPr id="17" name="Straight Connector 16"/>
+          <p:cNvCxnSpPr/>
+          <p:nvPr/>
+        </p:nvCxnSpPr>
+        <p:spPr>
+          <a:xfrm flipH="1">
+            <a:off x="6108170" y="91545"/>
+            <a:ext cx="6080655" cy="6080655"/>
+          </a:xfrm>
+          <a:prstGeom prst="line">
+            <a:avLst/>
+          </a:prstGeom>
+          <a:ln w="12700">
+            <a:solidFill>
+              <a:schemeClr val="tx1"/>
+            </a:solidFill>
+          </a:ln>
+        </p:spPr>
+        <p:style>
+          <a:lnRef idx="2">
+            <a:schemeClr val="accent1"/>
+          </a:lnRef>
+          <a:fillRef idx="0">
+            <a:schemeClr val="accent1"/>
+          </a:fillRef>
+          <a:effectRef idx="1">
+            <a:schemeClr val="accent1"/>
+          </a:effectRef>
+          <a:fontRef idx="minor">
+            <a:schemeClr val="tx1"/>
+          </a:fontRef>
+        </p:style>
+      </p:cxnSp>
+      <p:cxnSp>
+        <p:nvCxnSpPr>
+          <p:cNvPr id="19" name="Straight Connector 18"/>
+          <p:cNvCxnSpPr/>
+          <p:nvPr/>
+        </p:nvCxnSpPr>
+        <p:spPr>
+          <a:xfrm flipH="1">
+            <a:off x="7235825" y="228600"/>
+            <a:ext cx="4953000" cy="4953000"/>
+          </a:xfrm>
+          <a:prstGeom prst="line">
+            <a:avLst/>
+          </a:prstGeom>
+          <a:ln w="12700">
+            <a:solidFill>
+              <a:schemeClr val="tx1"/>
+            </a:solidFill>
+          </a:ln>
+        </p:spPr>
+        <p:style>
+          <a:lnRef idx="2">
+            <a:schemeClr val="accent1"/>
+          </a:lnRef>
+          <a:fillRef idx="0">
+            <a:schemeClr val="accent1"/>
+          </a:fillRef>
+          <a:effectRef idx="1">
+            <a:schemeClr val="accent1"/>
+          </a:effectRef>
+          <a:fontRef idx="minor">
+            <a:schemeClr val="tx1"/>
+          </a:fontRef>
+        </p:style>
+      </p:cxnSp>
+      <p:cxnSp>
+        <p:nvCxnSpPr>
+          <p:cNvPr id="21" name="Straight Connector 20"/>
+          <p:cNvCxnSpPr/>
+          <p:nvPr/>
+        </p:nvCxnSpPr>
+        <p:spPr>
+          <a:xfrm flipH="1">
+            <a:off x="7335837" y="32278"/>
+            <a:ext cx="4852989" cy="4852989"/>
+          </a:xfrm>
+          <a:prstGeom prst="line">
+            <a:avLst/>
+          </a:prstGeom>
+          <a:ln w="31750">
+            <a:solidFill>
+              <a:schemeClr val="tx1"/>
+            </a:solidFill>
+          </a:ln>
+        </p:spPr>
+        <p:style>
+          <a:lnRef idx="2">
+            <a:schemeClr val="accent1"/>
+          </a:lnRef>
+          <a:fillRef idx="0">
+            <a:schemeClr val="accent1"/>
+          </a:fillRef>
+          <a:effectRef idx="1">
+            <a:schemeClr val="accent1"/>
+          </a:effectRef>
+          <a:fontRef idx="minor">
+            <a:schemeClr val="tx1"/>
+          </a:fontRef>
+        </p:style>
+      </p:cxnSp>
+      <p:cxnSp>
+        <p:nvCxnSpPr>
+          <p:cNvPr id="23" name="Straight Connector 22"/>
+          <p:cNvCxnSpPr/>
+          <p:nvPr/>
+        </p:nvCxnSpPr>
+        <p:spPr>
+          <a:xfrm flipH="1">
+            <a:off x="7845426" y="609601"/>
+            <a:ext cx="4343399" cy="4343399"/>
+          </a:xfrm>
+          <a:prstGeom prst="line">
+            <a:avLst/>
+          </a:prstGeom>
+          <a:ln w="31750">
+            <a:solidFill>
+              <a:schemeClr val="tx1"/>
+            </a:solidFill>
+          </a:ln>
+        </p:spPr>
+        <p:style>
+          <a:lnRef idx="2">
+            <a:schemeClr val="accent1"/>
+          </a:lnRef>
+          <a:fillRef idx="0">
+            <a:schemeClr val="accent1"/>
+          </a:fillRef>
+          <a:effectRef idx="1">
+            <a:schemeClr val="accent1"/>
+          </a:effectRef>
+          <a:fontRef idx="minor">
+            <a:schemeClr val="tx1"/>
+          </a:fontRef>
+        </p:style>
+      </p:cxnSp>
     </p:spTree>
+    <p:extLst>
+      <p:ext uri="{BB962C8B-B14F-4D97-AF65-F5344CB8AC3E}">
+        <p14:creationId xmlns:p14="http://schemas.microsoft.com/office/powerpoint/2010/main" val="2416710861"/>
+      </p:ext>
+    </p:extLst>
   </p:cSld>
   <p:clrMapOvr>
     <a:masterClrMapping/>
@@ -392,6 +548,1830 @@
 </file>
 
 <file path=ppt/slideLayouts/slideLayout10.xml><?xml version="1.0" encoding="utf-8"?>
+<p:sldLayout xmlns:a="http://schemas.openxmlformats.org/drawingml/2006/main" xmlns:r="http://schemas.openxmlformats.org/officeDocument/2006/relationships" xmlns:p="http://schemas.openxmlformats.org/presentationml/2006/main" preserve="1">
+  <p:cSld name="Panoramic Picture with Caption">
+    <p:spTree>
+      <p:nvGrpSpPr>
+        <p:cNvPr id="1" name=""/>
+        <p:cNvGrpSpPr/>
+        <p:nvPr/>
+      </p:nvGrpSpPr>
+      <p:grpSpPr>
+        <a:xfrm>
+          <a:off x="0" y="0"/>
+          <a:ext cx="0" cy="0"/>
+          <a:chOff x="0" y="0"/>
+          <a:chExt cx="0" cy="0"/>
+        </a:xfrm>
+      </p:grpSpPr>
+      <p:sp>
+        <p:nvSpPr>
+          <p:cNvPr id="2" name="Title 1"/>
+          <p:cNvSpPr>
+            <a:spLocks noGrp="1"/>
+          </p:cNvSpPr>
+          <p:nvPr>
+            <p:ph type="title"/>
+          </p:nvPr>
+        </p:nvSpPr>
+        <p:spPr/>
+        <p:txBody>
+          <a:bodyPr/>
+          <a:lstStyle/>
+          <a:p>
+            <a:r>
+              <a:rPr lang="en-US"/>
+              <a:t>Click to edit Master title style</a:t>
+            </a:r>
+            <a:endParaRPr lang="en-US" dirty="0"/>
+          </a:p>
+        </p:txBody>
+      </p:sp>
+      <p:sp>
+        <p:nvSpPr>
+          <p:cNvPr id="17" name="Picture Placeholder 2"/>
+          <p:cNvSpPr>
+            <a:spLocks noGrp="1" noChangeAspect="1"/>
+          </p:cNvSpPr>
+          <p:nvPr>
+            <p:ph type="pic" idx="13"/>
+          </p:nvPr>
+        </p:nvSpPr>
+        <p:spPr>
+          <a:xfrm>
+            <a:off x="685800" y="533400"/>
+            <a:ext cx="10818812" cy="3124200"/>
+          </a:xfrm>
+          <a:prstGeom prst="snip2DiagRect">
+            <a:avLst>
+              <a:gd name="adj1" fmla="val 10815"/>
+              <a:gd name="adj2" fmla="val 0"/>
+            </a:avLst>
+          </a:prstGeom>
+          <a:ln w="15875">
+            <a:solidFill>
+              <a:schemeClr val="tx1">
+                <a:alpha val="40000"/>
+              </a:schemeClr>
+            </a:solidFill>
+          </a:ln>
+          <a:effectLst>
+            <a:innerShdw blurRad="57150" dist="38100" dir="14460000">
+              <a:srgbClr val="000000">
+                <a:alpha val="70000"/>
+              </a:srgbClr>
+            </a:innerShdw>
+          </a:effectLst>
+        </p:spPr>
+        <p:txBody>
+          <a:bodyPr anchor="t">
+            <a:normAutofit/>
+          </a:bodyPr>
+          <a:lstStyle>
+            <a:lvl1pPr marL="0" indent="0" algn="ctr">
+              <a:buNone/>
+              <a:defRPr sz="1600"/>
+            </a:lvl1pPr>
+            <a:lvl2pPr marL="457200" indent="0">
+              <a:buNone/>
+              <a:defRPr sz="1600"/>
+            </a:lvl2pPr>
+            <a:lvl3pPr marL="914400" indent="0">
+              <a:buNone/>
+              <a:defRPr sz="1600"/>
+            </a:lvl3pPr>
+            <a:lvl4pPr marL="1371600" indent="0">
+              <a:buNone/>
+              <a:defRPr sz="1600"/>
+            </a:lvl4pPr>
+            <a:lvl5pPr marL="1828800" indent="0">
+              <a:buNone/>
+              <a:defRPr sz="1600"/>
+            </a:lvl5pPr>
+            <a:lvl6pPr marL="2286000" indent="0">
+              <a:buNone/>
+              <a:defRPr sz="1600"/>
+            </a:lvl6pPr>
+            <a:lvl7pPr marL="2743200" indent="0">
+              <a:buNone/>
+              <a:defRPr sz="1600"/>
+            </a:lvl7pPr>
+            <a:lvl8pPr marL="3200400" indent="0">
+              <a:buNone/>
+              <a:defRPr sz="1600"/>
+            </a:lvl8pPr>
+            <a:lvl9pPr marL="3657600" indent="0">
+              <a:buNone/>
+              <a:defRPr sz="1600"/>
+            </a:lvl9pPr>
+          </a:lstStyle>
+          <a:p>
+            <a:r>
+              <a:rPr lang="en-US"/>
+              <a:t>Click icon to add picture</a:t>
+            </a:r>
+            <a:endParaRPr lang="en-US" dirty="0"/>
+          </a:p>
+        </p:txBody>
+      </p:sp>
+      <p:sp>
+        <p:nvSpPr>
+          <p:cNvPr id="16" name="Text Placeholder 9"/>
+          <p:cNvSpPr>
+            <a:spLocks noGrp="1"/>
+          </p:cNvSpPr>
+          <p:nvPr>
+            <p:ph type="body" sz="quarter" idx="14"/>
+          </p:nvPr>
+        </p:nvSpPr>
+        <p:spPr>
+          <a:xfrm>
+            <a:off x="914402" y="3843867"/>
+            <a:ext cx="8304210" cy="457200"/>
+          </a:xfrm>
+        </p:spPr>
+        <p:txBody>
+          <a:bodyPr anchor="t">
+            <a:normAutofit/>
+          </a:bodyPr>
+          <a:lstStyle>
+            <a:lvl1pPr marL="0" indent="0">
+              <a:buFontTx/>
+              <a:buNone/>
+              <a:defRPr sz="1600"/>
+            </a:lvl1pPr>
+            <a:lvl2pPr marL="457200" indent="0">
+              <a:buFontTx/>
+              <a:buNone/>
+              <a:defRPr/>
+            </a:lvl2pPr>
+            <a:lvl3pPr marL="914400" indent="0">
+              <a:buFontTx/>
+              <a:buNone/>
+              <a:defRPr/>
+            </a:lvl3pPr>
+            <a:lvl4pPr marL="1371600" indent="0">
+              <a:buFontTx/>
+              <a:buNone/>
+              <a:defRPr/>
+            </a:lvl4pPr>
+            <a:lvl5pPr marL="1828800" indent="0">
+              <a:buFontTx/>
+              <a:buNone/>
+              <a:defRPr/>
+            </a:lvl5pPr>
+          </a:lstStyle>
+          <a:p>
+            <a:pPr lvl="0"/>
+            <a:r>
+              <a:rPr lang="en-US"/>
+              <a:t>Edit Master text styles</a:t>
+            </a:r>
+          </a:p>
+        </p:txBody>
+      </p:sp>
+      <p:sp>
+        <p:nvSpPr>
+          <p:cNvPr id="3" name="Date Placeholder 2"/>
+          <p:cNvSpPr>
+            <a:spLocks noGrp="1"/>
+          </p:cNvSpPr>
+          <p:nvPr>
+            <p:ph type="dt" sz="half" idx="10"/>
+          </p:nvPr>
+        </p:nvSpPr>
+        <p:spPr/>
+        <p:txBody>
+          <a:bodyPr/>
+          <a:lstStyle/>
+          <a:p>
+            <a:fld id="{5586B75A-687E-405C-8A0B-8D00578BA2C3}" type="datetimeFigureOut">
+              <a:rPr lang="en-US" smtClean="0"/>
+              <a:pPr/>
+              <a:t>9/29/2017</a:t>
+            </a:fld>
+            <a:endParaRPr lang="en-US" dirty="0"/>
+          </a:p>
+        </p:txBody>
+      </p:sp>
+      <p:sp>
+        <p:nvSpPr>
+          <p:cNvPr id="4" name="Footer Placeholder 3"/>
+          <p:cNvSpPr>
+            <a:spLocks noGrp="1"/>
+          </p:cNvSpPr>
+          <p:nvPr>
+            <p:ph type="ftr" sz="quarter" idx="11"/>
+          </p:nvPr>
+        </p:nvSpPr>
+        <p:spPr/>
+        <p:txBody>
+          <a:bodyPr/>
+          <a:lstStyle/>
+          <a:p>
+            <a:endParaRPr lang="en-US" dirty="0"/>
+          </a:p>
+        </p:txBody>
+      </p:sp>
+      <p:sp>
+        <p:nvSpPr>
+          <p:cNvPr id="5" name="Slide Number Placeholder 4"/>
+          <p:cNvSpPr>
+            <a:spLocks noGrp="1"/>
+          </p:cNvSpPr>
+          <p:nvPr>
+            <p:ph type="sldNum" sz="quarter" idx="12"/>
+          </p:nvPr>
+        </p:nvSpPr>
+        <p:spPr/>
+        <p:txBody>
+          <a:bodyPr/>
+          <a:lstStyle/>
+          <a:p>
+            <a:fld id="{4FAB73BC-B049-4115-A692-8D63A059BFB8}" type="slidenum">
+              <a:rPr lang="en-US" smtClean="0"/>
+              <a:pPr/>
+              <a:t>‹#›</a:t>
+            </a:fld>
+            <a:endParaRPr lang="en-US" dirty="0"/>
+          </a:p>
+        </p:txBody>
+      </p:sp>
+    </p:spTree>
+    <p:extLst>
+      <p:ext uri="{BB962C8B-B14F-4D97-AF65-F5344CB8AC3E}">
+        <p14:creationId xmlns:p14="http://schemas.microsoft.com/office/powerpoint/2010/main" val="2289431652"/>
+      </p:ext>
+    </p:extLst>
+  </p:cSld>
+  <p:clrMapOvr>
+    <a:masterClrMapping/>
+  </p:clrMapOvr>
+  <p:hf sldNum="0" hdr="0" ftr="0" dt="0"/>
+</p:sldLayout>
+</file>
+
+<file path=ppt/slideLayouts/slideLayout11.xml><?xml version="1.0" encoding="utf-8"?>
+<p:sldLayout xmlns:a="http://schemas.openxmlformats.org/drawingml/2006/main" xmlns:r="http://schemas.openxmlformats.org/officeDocument/2006/relationships" xmlns:p="http://schemas.openxmlformats.org/presentationml/2006/main" preserve="1">
+  <p:cSld name="Title and Caption">
+    <p:spTree>
+      <p:nvGrpSpPr>
+        <p:cNvPr id="1" name=""/>
+        <p:cNvGrpSpPr/>
+        <p:nvPr/>
+      </p:nvGrpSpPr>
+      <p:grpSpPr>
+        <a:xfrm>
+          <a:off x="0" y="0"/>
+          <a:ext cx="0" cy="0"/>
+          <a:chOff x="0" y="0"/>
+          <a:chExt cx="0" cy="0"/>
+        </a:xfrm>
+      </p:grpSpPr>
+      <p:sp>
+        <p:nvSpPr>
+          <p:cNvPr id="2" name="Title 1"/>
+          <p:cNvSpPr>
+            <a:spLocks noGrp="1"/>
+          </p:cNvSpPr>
+          <p:nvPr>
+            <p:ph type="title"/>
+          </p:nvPr>
+        </p:nvSpPr>
+        <p:spPr>
+          <a:xfrm>
+            <a:off x="684213" y="685800"/>
+            <a:ext cx="10058400" cy="2743200"/>
+          </a:xfrm>
+        </p:spPr>
+        <p:txBody>
+          <a:bodyPr anchor="ctr">
+            <a:normAutofit/>
+          </a:bodyPr>
+          <a:lstStyle>
+            <a:lvl1pPr algn="l">
+              <a:defRPr sz="3200" b="0" cap="all"/>
+            </a:lvl1pPr>
+          </a:lstStyle>
+          <a:p>
+            <a:r>
+              <a:rPr lang="en-US"/>
+              <a:t>Click to edit Master title style</a:t>
+            </a:r>
+            <a:endParaRPr lang="en-US" dirty="0"/>
+          </a:p>
+        </p:txBody>
+      </p:sp>
+      <p:sp>
+        <p:nvSpPr>
+          <p:cNvPr id="3" name="Text Placeholder 2"/>
+          <p:cNvSpPr>
+            <a:spLocks noGrp="1"/>
+          </p:cNvSpPr>
+          <p:nvPr>
+            <p:ph type="body" idx="1"/>
+          </p:nvPr>
+        </p:nvSpPr>
+        <p:spPr>
+          <a:xfrm>
+            <a:off x="684212" y="4114800"/>
+            <a:ext cx="8535988" cy="1879600"/>
+          </a:xfrm>
+        </p:spPr>
+        <p:txBody>
+          <a:bodyPr anchor="ctr">
+            <a:normAutofit/>
+          </a:bodyPr>
+          <a:lstStyle>
+            <a:lvl1pPr marL="0" indent="0" algn="l">
+              <a:buNone/>
+              <a:defRPr sz="2000">
+                <a:solidFill>
+                  <a:schemeClr val="bg2">
+                    <a:lumMod val="75000"/>
+                  </a:schemeClr>
+                </a:solidFill>
+              </a:defRPr>
+            </a:lvl1pPr>
+            <a:lvl2pPr marL="457200" indent="0">
+              <a:buNone/>
+              <a:defRPr sz="1800">
+                <a:solidFill>
+                  <a:schemeClr val="tx1">
+                    <a:tint val="75000"/>
+                  </a:schemeClr>
+                </a:solidFill>
+              </a:defRPr>
+            </a:lvl2pPr>
+            <a:lvl3pPr marL="914400" indent="0">
+              <a:buNone/>
+              <a:defRPr sz="1600">
+                <a:solidFill>
+                  <a:schemeClr val="tx1">
+                    <a:tint val="75000"/>
+                  </a:schemeClr>
+                </a:solidFill>
+              </a:defRPr>
+            </a:lvl3pPr>
+            <a:lvl4pPr marL="1371600" indent="0">
+              <a:buNone/>
+              <a:defRPr sz="1400">
+                <a:solidFill>
+                  <a:schemeClr val="tx1">
+                    <a:tint val="75000"/>
+                  </a:schemeClr>
+                </a:solidFill>
+              </a:defRPr>
+            </a:lvl4pPr>
+            <a:lvl5pPr marL="1828800" indent="0">
+              <a:buNone/>
+              <a:defRPr sz="1400">
+                <a:solidFill>
+                  <a:schemeClr val="tx1">
+                    <a:tint val="75000"/>
+                  </a:schemeClr>
+                </a:solidFill>
+              </a:defRPr>
+            </a:lvl5pPr>
+            <a:lvl6pPr marL="2286000" indent="0">
+              <a:buNone/>
+              <a:defRPr sz="1400">
+                <a:solidFill>
+                  <a:schemeClr val="tx1">
+                    <a:tint val="75000"/>
+                  </a:schemeClr>
+                </a:solidFill>
+              </a:defRPr>
+            </a:lvl6pPr>
+            <a:lvl7pPr marL="2743200" indent="0">
+              <a:buNone/>
+              <a:defRPr sz="1400">
+                <a:solidFill>
+                  <a:schemeClr val="tx1">
+                    <a:tint val="75000"/>
+                  </a:schemeClr>
+                </a:solidFill>
+              </a:defRPr>
+            </a:lvl7pPr>
+            <a:lvl8pPr marL="3200400" indent="0">
+              <a:buNone/>
+              <a:defRPr sz="1400">
+                <a:solidFill>
+                  <a:schemeClr val="tx1">
+                    <a:tint val="75000"/>
+                  </a:schemeClr>
+                </a:solidFill>
+              </a:defRPr>
+            </a:lvl8pPr>
+            <a:lvl9pPr marL="3657600" indent="0">
+              <a:buNone/>
+              <a:defRPr sz="1400">
+                <a:solidFill>
+                  <a:schemeClr val="tx1">
+                    <a:tint val="75000"/>
+                  </a:schemeClr>
+                </a:solidFill>
+              </a:defRPr>
+            </a:lvl9pPr>
+          </a:lstStyle>
+          <a:p>
+            <a:pPr lvl="0"/>
+            <a:r>
+              <a:rPr lang="en-US"/>
+              <a:t>Edit Master text styles</a:t>
+            </a:r>
+          </a:p>
+        </p:txBody>
+      </p:sp>
+      <p:sp>
+        <p:nvSpPr>
+          <p:cNvPr id="4" name="Date Placeholder 3"/>
+          <p:cNvSpPr>
+            <a:spLocks noGrp="1"/>
+          </p:cNvSpPr>
+          <p:nvPr>
+            <p:ph type="dt" sz="half" idx="10"/>
+          </p:nvPr>
+        </p:nvSpPr>
+        <p:spPr/>
+        <p:txBody>
+          <a:bodyPr/>
+          <a:lstStyle/>
+          <a:p>
+            <a:fld id="{5586B75A-687E-405C-8A0B-8D00578BA2C3}" type="datetimeFigureOut">
+              <a:rPr lang="en-US" smtClean="0"/>
+              <a:pPr/>
+              <a:t>9/29/2017</a:t>
+            </a:fld>
+            <a:endParaRPr lang="en-US" dirty="0"/>
+          </a:p>
+        </p:txBody>
+      </p:sp>
+      <p:sp>
+        <p:nvSpPr>
+          <p:cNvPr id="5" name="Footer Placeholder 4"/>
+          <p:cNvSpPr>
+            <a:spLocks noGrp="1"/>
+          </p:cNvSpPr>
+          <p:nvPr>
+            <p:ph type="ftr" sz="quarter" idx="11"/>
+          </p:nvPr>
+        </p:nvSpPr>
+        <p:spPr/>
+        <p:txBody>
+          <a:bodyPr/>
+          <a:lstStyle/>
+          <a:p>
+            <a:endParaRPr lang="en-US" dirty="0"/>
+          </a:p>
+        </p:txBody>
+      </p:sp>
+      <p:sp>
+        <p:nvSpPr>
+          <p:cNvPr id="6" name="Slide Number Placeholder 5"/>
+          <p:cNvSpPr>
+            <a:spLocks noGrp="1"/>
+          </p:cNvSpPr>
+          <p:nvPr>
+            <p:ph type="sldNum" sz="quarter" idx="12"/>
+          </p:nvPr>
+        </p:nvSpPr>
+        <p:spPr/>
+        <p:txBody>
+          <a:bodyPr/>
+          <a:lstStyle/>
+          <a:p>
+            <a:fld id="{4FAB73BC-B049-4115-A692-8D63A059BFB8}" type="slidenum">
+              <a:rPr lang="en-US" smtClean="0"/>
+              <a:pPr/>
+              <a:t>‹#›</a:t>
+            </a:fld>
+            <a:endParaRPr lang="en-US" dirty="0"/>
+          </a:p>
+        </p:txBody>
+      </p:sp>
+    </p:spTree>
+    <p:extLst>
+      <p:ext uri="{BB962C8B-B14F-4D97-AF65-F5344CB8AC3E}">
+        <p14:creationId xmlns:p14="http://schemas.microsoft.com/office/powerpoint/2010/main" val="2047224248"/>
+      </p:ext>
+    </p:extLst>
+  </p:cSld>
+  <p:clrMapOvr>
+    <a:masterClrMapping/>
+  </p:clrMapOvr>
+  <p:hf sldNum="0" hdr="0" ftr="0" dt="0"/>
+</p:sldLayout>
+</file>
+
+<file path=ppt/slideLayouts/slideLayout12.xml><?xml version="1.0" encoding="utf-8"?>
+<p:sldLayout xmlns:a="http://schemas.openxmlformats.org/drawingml/2006/main" xmlns:r="http://schemas.openxmlformats.org/officeDocument/2006/relationships" xmlns:p="http://schemas.openxmlformats.org/presentationml/2006/main" preserve="1">
+  <p:cSld name="Quote with Caption">
+    <p:spTree>
+      <p:nvGrpSpPr>
+        <p:cNvPr id="1" name=""/>
+        <p:cNvGrpSpPr/>
+        <p:nvPr/>
+      </p:nvGrpSpPr>
+      <p:grpSpPr>
+        <a:xfrm>
+          <a:off x="0" y="0"/>
+          <a:ext cx="0" cy="0"/>
+          <a:chOff x="0" y="0"/>
+          <a:chExt cx="0" cy="0"/>
+        </a:xfrm>
+      </p:grpSpPr>
+      <p:sp>
+        <p:nvSpPr>
+          <p:cNvPr id="2" name="Title 1"/>
+          <p:cNvSpPr>
+            <a:spLocks noGrp="1"/>
+          </p:cNvSpPr>
+          <p:nvPr>
+            <p:ph type="title"/>
+          </p:nvPr>
+        </p:nvSpPr>
+        <p:spPr>
+          <a:xfrm>
+            <a:off x="1141411" y="685800"/>
+            <a:ext cx="9144001" cy="2743200"/>
+          </a:xfrm>
+        </p:spPr>
+        <p:txBody>
+          <a:bodyPr anchor="ctr">
+            <a:normAutofit/>
+          </a:bodyPr>
+          <a:lstStyle>
+            <a:lvl1pPr algn="l">
+              <a:defRPr sz="3200" b="0" cap="all">
+                <a:solidFill>
+                  <a:schemeClr val="tx1"/>
+                </a:solidFill>
+              </a:defRPr>
+            </a:lvl1pPr>
+          </a:lstStyle>
+          <a:p>
+            <a:r>
+              <a:rPr lang="en-US"/>
+              <a:t>Click to edit Master title style</a:t>
+            </a:r>
+            <a:endParaRPr lang="en-US" dirty="0"/>
+          </a:p>
+        </p:txBody>
+      </p:sp>
+      <p:sp>
+        <p:nvSpPr>
+          <p:cNvPr id="10" name="Text Placeholder 9"/>
+          <p:cNvSpPr>
+            <a:spLocks noGrp="1"/>
+          </p:cNvSpPr>
+          <p:nvPr>
+            <p:ph type="body" sz="quarter" idx="13"/>
+          </p:nvPr>
+        </p:nvSpPr>
+        <p:spPr>
+          <a:xfrm>
+            <a:off x="1446212" y="3429000"/>
+            <a:ext cx="8534400" cy="381000"/>
+          </a:xfrm>
+        </p:spPr>
+        <p:txBody>
+          <a:bodyPr anchor="ctr"/>
+          <a:lstStyle>
+            <a:lvl1pPr marL="0" indent="0">
+              <a:buFontTx/>
+              <a:buNone/>
+              <a:defRPr/>
+            </a:lvl1pPr>
+            <a:lvl2pPr marL="457200" indent="0">
+              <a:buFontTx/>
+              <a:buNone/>
+              <a:defRPr/>
+            </a:lvl2pPr>
+            <a:lvl3pPr marL="914400" indent="0">
+              <a:buFontTx/>
+              <a:buNone/>
+              <a:defRPr/>
+            </a:lvl3pPr>
+            <a:lvl4pPr marL="1371600" indent="0">
+              <a:buFontTx/>
+              <a:buNone/>
+              <a:defRPr/>
+            </a:lvl4pPr>
+            <a:lvl5pPr marL="1828800" indent="0">
+              <a:buFontTx/>
+              <a:buNone/>
+              <a:defRPr/>
+            </a:lvl5pPr>
+          </a:lstStyle>
+          <a:p>
+            <a:pPr lvl="0"/>
+            <a:r>
+              <a:rPr lang="en-US"/>
+              <a:t>Edit Master text styles</a:t>
+            </a:r>
+          </a:p>
+        </p:txBody>
+      </p:sp>
+      <p:sp>
+        <p:nvSpPr>
+          <p:cNvPr id="3" name="Text Placeholder 2"/>
+          <p:cNvSpPr>
+            <a:spLocks noGrp="1"/>
+          </p:cNvSpPr>
+          <p:nvPr>
+            <p:ph type="body" idx="1"/>
+          </p:nvPr>
+        </p:nvSpPr>
+        <p:spPr>
+          <a:xfrm>
+            <a:off x="684213" y="4301067"/>
+            <a:ext cx="8534400" cy="1684865"/>
+          </a:xfrm>
+        </p:spPr>
+        <p:txBody>
+          <a:bodyPr anchor="ctr">
+            <a:normAutofit/>
+          </a:bodyPr>
+          <a:lstStyle>
+            <a:lvl1pPr marL="0" indent="0" algn="l">
+              <a:buNone/>
+              <a:defRPr sz="2000">
+                <a:solidFill>
+                  <a:schemeClr val="bg2">
+                    <a:lumMod val="75000"/>
+                  </a:schemeClr>
+                </a:solidFill>
+              </a:defRPr>
+            </a:lvl1pPr>
+            <a:lvl2pPr marL="457200" indent="0">
+              <a:buNone/>
+              <a:defRPr sz="1800">
+                <a:solidFill>
+                  <a:schemeClr val="tx1">
+                    <a:tint val="75000"/>
+                  </a:schemeClr>
+                </a:solidFill>
+              </a:defRPr>
+            </a:lvl2pPr>
+            <a:lvl3pPr marL="914400" indent="0">
+              <a:buNone/>
+              <a:defRPr sz="1600">
+                <a:solidFill>
+                  <a:schemeClr val="tx1">
+                    <a:tint val="75000"/>
+                  </a:schemeClr>
+                </a:solidFill>
+              </a:defRPr>
+            </a:lvl3pPr>
+            <a:lvl4pPr marL="1371600" indent="0">
+              <a:buNone/>
+              <a:defRPr sz="1400">
+                <a:solidFill>
+                  <a:schemeClr val="tx1">
+                    <a:tint val="75000"/>
+                  </a:schemeClr>
+                </a:solidFill>
+              </a:defRPr>
+            </a:lvl4pPr>
+            <a:lvl5pPr marL="1828800" indent="0">
+              <a:buNone/>
+              <a:defRPr sz="1400">
+                <a:solidFill>
+                  <a:schemeClr val="tx1">
+                    <a:tint val="75000"/>
+                  </a:schemeClr>
+                </a:solidFill>
+              </a:defRPr>
+            </a:lvl5pPr>
+            <a:lvl6pPr marL="2286000" indent="0">
+              <a:buNone/>
+              <a:defRPr sz="1400">
+                <a:solidFill>
+                  <a:schemeClr val="tx1">
+                    <a:tint val="75000"/>
+                  </a:schemeClr>
+                </a:solidFill>
+              </a:defRPr>
+            </a:lvl6pPr>
+            <a:lvl7pPr marL="2743200" indent="0">
+              <a:buNone/>
+              <a:defRPr sz="1400">
+                <a:solidFill>
+                  <a:schemeClr val="tx1">
+                    <a:tint val="75000"/>
+                  </a:schemeClr>
+                </a:solidFill>
+              </a:defRPr>
+            </a:lvl7pPr>
+            <a:lvl8pPr marL="3200400" indent="0">
+              <a:buNone/>
+              <a:defRPr sz="1400">
+                <a:solidFill>
+                  <a:schemeClr val="tx1">
+                    <a:tint val="75000"/>
+                  </a:schemeClr>
+                </a:solidFill>
+              </a:defRPr>
+            </a:lvl8pPr>
+            <a:lvl9pPr marL="3657600" indent="0">
+              <a:buNone/>
+              <a:defRPr sz="1400">
+                <a:solidFill>
+                  <a:schemeClr val="tx1">
+                    <a:tint val="75000"/>
+                  </a:schemeClr>
+                </a:solidFill>
+              </a:defRPr>
+            </a:lvl9pPr>
+          </a:lstStyle>
+          <a:p>
+            <a:pPr lvl="0"/>
+            <a:r>
+              <a:rPr lang="en-US"/>
+              <a:t>Edit Master text styles</a:t>
+            </a:r>
+          </a:p>
+        </p:txBody>
+      </p:sp>
+      <p:sp>
+        <p:nvSpPr>
+          <p:cNvPr id="4" name="Date Placeholder 3"/>
+          <p:cNvSpPr>
+            <a:spLocks noGrp="1"/>
+          </p:cNvSpPr>
+          <p:nvPr>
+            <p:ph type="dt" sz="half" idx="10"/>
+          </p:nvPr>
+        </p:nvSpPr>
+        <p:spPr/>
+        <p:txBody>
+          <a:bodyPr/>
+          <a:lstStyle/>
+          <a:p>
+            <a:fld id="{5586B75A-687E-405C-8A0B-8D00578BA2C3}" type="datetimeFigureOut">
+              <a:rPr lang="en-US" smtClean="0"/>
+              <a:pPr/>
+              <a:t>9/29/2017</a:t>
+            </a:fld>
+            <a:endParaRPr lang="en-US" dirty="0"/>
+          </a:p>
+        </p:txBody>
+      </p:sp>
+      <p:sp>
+        <p:nvSpPr>
+          <p:cNvPr id="5" name="Footer Placeholder 4"/>
+          <p:cNvSpPr>
+            <a:spLocks noGrp="1"/>
+          </p:cNvSpPr>
+          <p:nvPr>
+            <p:ph type="ftr" sz="quarter" idx="11"/>
+          </p:nvPr>
+        </p:nvSpPr>
+        <p:spPr/>
+        <p:txBody>
+          <a:bodyPr/>
+          <a:lstStyle/>
+          <a:p>
+            <a:endParaRPr lang="en-US" dirty="0"/>
+          </a:p>
+        </p:txBody>
+      </p:sp>
+      <p:sp>
+        <p:nvSpPr>
+          <p:cNvPr id="6" name="Slide Number Placeholder 5"/>
+          <p:cNvSpPr>
+            <a:spLocks noGrp="1"/>
+          </p:cNvSpPr>
+          <p:nvPr>
+            <p:ph type="sldNum" sz="quarter" idx="12"/>
+          </p:nvPr>
+        </p:nvSpPr>
+        <p:spPr/>
+        <p:txBody>
+          <a:bodyPr/>
+          <a:lstStyle/>
+          <a:p>
+            <a:fld id="{4FAB73BC-B049-4115-A692-8D63A059BFB8}" type="slidenum">
+              <a:rPr lang="en-US" smtClean="0"/>
+              <a:pPr/>
+              <a:t>‹#›</a:t>
+            </a:fld>
+            <a:endParaRPr lang="en-US" dirty="0"/>
+          </a:p>
+        </p:txBody>
+      </p:sp>
+      <p:sp>
+        <p:nvSpPr>
+          <p:cNvPr id="14" name="TextBox 13"/>
+          <p:cNvSpPr txBox="1"/>
+          <p:nvPr/>
+        </p:nvSpPr>
+        <p:spPr>
+          <a:xfrm>
+            <a:off x="531812" y="812222"/>
+            <a:ext cx="609600" cy="584776"/>
+          </a:xfrm>
+          <a:prstGeom prst="rect">
+            <a:avLst/>
+          </a:prstGeom>
+        </p:spPr>
+        <p:txBody>
+          <a:bodyPr vert="horz" lIns="91440" tIns="45720" rIns="91440" bIns="45720" rtlCol="0" anchor="ctr">
+            <a:noAutofit/>
+          </a:bodyPr>
+          <a:lstStyle/>
+          <a:p>
+            <a:pPr lvl="0"/>
+            <a:r>
+              <a:rPr lang="en-US" sz="8000" dirty="0">
+                <a:solidFill>
+                  <a:schemeClr val="tx1"/>
+                </a:solidFill>
+                <a:effectLst/>
+              </a:rPr>
+              <a:t>“</a:t>
+            </a:r>
+          </a:p>
+        </p:txBody>
+      </p:sp>
+      <p:sp>
+        <p:nvSpPr>
+          <p:cNvPr id="15" name="TextBox 14"/>
+          <p:cNvSpPr txBox="1"/>
+          <p:nvPr/>
+        </p:nvSpPr>
+        <p:spPr>
+          <a:xfrm>
+            <a:off x="10285412" y="2768601"/>
+            <a:ext cx="609600" cy="584776"/>
+          </a:xfrm>
+          <a:prstGeom prst="rect">
+            <a:avLst/>
+          </a:prstGeom>
+        </p:spPr>
+        <p:txBody>
+          <a:bodyPr vert="horz" lIns="91440" tIns="45720" rIns="91440" bIns="45720" rtlCol="0" anchor="ctr">
+            <a:noAutofit/>
+          </a:bodyPr>
+          <a:lstStyle/>
+          <a:p>
+            <a:pPr lvl="0" algn="r"/>
+            <a:r>
+              <a:rPr lang="en-US" sz="8000" dirty="0">
+                <a:solidFill>
+                  <a:schemeClr val="tx1"/>
+                </a:solidFill>
+                <a:effectLst/>
+              </a:rPr>
+              <a:t>”</a:t>
+            </a:r>
+          </a:p>
+        </p:txBody>
+      </p:sp>
+    </p:spTree>
+    <p:extLst>
+      <p:ext uri="{BB962C8B-B14F-4D97-AF65-F5344CB8AC3E}">
+        <p14:creationId xmlns:p14="http://schemas.microsoft.com/office/powerpoint/2010/main" val="646517616"/>
+      </p:ext>
+    </p:extLst>
+  </p:cSld>
+  <p:clrMapOvr>
+    <a:masterClrMapping/>
+  </p:clrMapOvr>
+  <p:hf sldNum="0" hdr="0" ftr="0" dt="0"/>
+</p:sldLayout>
+</file>
+
+<file path=ppt/slideLayouts/slideLayout13.xml><?xml version="1.0" encoding="utf-8"?>
+<p:sldLayout xmlns:a="http://schemas.openxmlformats.org/drawingml/2006/main" xmlns:r="http://schemas.openxmlformats.org/officeDocument/2006/relationships" xmlns:p="http://schemas.openxmlformats.org/presentationml/2006/main" preserve="1">
+  <p:cSld name="Name Card">
+    <p:spTree>
+      <p:nvGrpSpPr>
+        <p:cNvPr id="1" name=""/>
+        <p:cNvGrpSpPr/>
+        <p:nvPr/>
+      </p:nvGrpSpPr>
+      <p:grpSpPr>
+        <a:xfrm>
+          <a:off x="0" y="0"/>
+          <a:ext cx="0" cy="0"/>
+          <a:chOff x="0" y="0"/>
+          <a:chExt cx="0" cy="0"/>
+        </a:xfrm>
+      </p:grpSpPr>
+      <p:sp>
+        <p:nvSpPr>
+          <p:cNvPr id="2" name="Title 1"/>
+          <p:cNvSpPr>
+            <a:spLocks noGrp="1"/>
+          </p:cNvSpPr>
+          <p:nvPr>
+            <p:ph type="title"/>
+          </p:nvPr>
+        </p:nvSpPr>
+        <p:spPr>
+          <a:xfrm>
+            <a:off x="684212" y="3429000"/>
+            <a:ext cx="8534400" cy="1697400"/>
+          </a:xfrm>
+        </p:spPr>
+        <p:txBody>
+          <a:bodyPr anchor="b">
+            <a:normAutofit/>
+          </a:bodyPr>
+          <a:lstStyle>
+            <a:lvl1pPr algn="l">
+              <a:defRPr sz="3200" b="0" cap="all"/>
+            </a:lvl1pPr>
+          </a:lstStyle>
+          <a:p>
+            <a:r>
+              <a:rPr lang="en-US"/>
+              <a:t>Click to edit Master title style</a:t>
+            </a:r>
+            <a:endParaRPr lang="en-US" dirty="0"/>
+          </a:p>
+        </p:txBody>
+      </p:sp>
+      <p:sp>
+        <p:nvSpPr>
+          <p:cNvPr id="3" name="Text Placeholder 2"/>
+          <p:cNvSpPr>
+            <a:spLocks noGrp="1"/>
+          </p:cNvSpPr>
+          <p:nvPr>
+            <p:ph type="body" idx="1"/>
+          </p:nvPr>
+        </p:nvSpPr>
+        <p:spPr>
+          <a:xfrm>
+            <a:off x="684211" y="5132981"/>
+            <a:ext cx="8535990" cy="860400"/>
+          </a:xfrm>
+        </p:spPr>
+        <p:txBody>
+          <a:bodyPr anchor="t">
+            <a:normAutofit/>
+          </a:bodyPr>
+          <a:lstStyle>
+            <a:lvl1pPr marL="0" indent="0" algn="l">
+              <a:buNone/>
+              <a:defRPr sz="2000">
+                <a:solidFill>
+                  <a:schemeClr val="bg2">
+                    <a:lumMod val="75000"/>
+                  </a:schemeClr>
+                </a:solidFill>
+              </a:defRPr>
+            </a:lvl1pPr>
+            <a:lvl2pPr marL="457200" indent="0">
+              <a:buNone/>
+              <a:defRPr sz="1800">
+                <a:solidFill>
+                  <a:schemeClr val="tx1">
+                    <a:tint val="75000"/>
+                  </a:schemeClr>
+                </a:solidFill>
+              </a:defRPr>
+            </a:lvl2pPr>
+            <a:lvl3pPr marL="914400" indent="0">
+              <a:buNone/>
+              <a:defRPr sz="1600">
+                <a:solidFill>
+                  <a:schemeClr val="tx1">
+                    <a:tint val="75000"/>
+                  </a:schemeClr>
+                </a:solidFill>
+              </a:defRPr>
+            </a:lvl3pPr>
+            <a:lvl4pPr marL="1371600" indent="0">
+              <a:buNone/>
+              <a:defRPr sz="1400">
+                <a:solidFill>
+                  <a:schemeClr val="tx1">
+                    <a:tint val="75000"/>
+                  </a:schemeClr>
+                </a:solidFill>
+              </a:defRPr>
+            </a:lvl4pPr>
+            <a:lvl5pPr marL="1828800" indent="0">
+              <a:buNone/>
+              <a:defRPr sz="1400">
+                <a:solidFill>
+                  <a:schemeClr val="tx1">
+                    <a:tint val="75000"/>
+                  </a:schemeClr>
+                </a:solidFill>
+              </a:defRPr>
+            </a:lvl5pPr>
+            <a:lvl6pPr marL="2286000" indent="0">
+              <a:buNone/>
+              <a:defRPr sz="1400">
+                <a:solidFill>
+                  <a:schemeClr val="tx1">
+                    <a:tint val="75000"/>
+                  </a:schemeClr>
+                </a:solidFill>
+              </a:defRPr>
+            </a:lvl6pPr>
+            <a:lvl7pPr marL="2743200" indent="0">
+              <a:buNone/>
+              <a:defRPr sz="1400">
+                <a:solidFill>
+                  <a:schemeClr val="tx1">
+                    <a:tint val="75000"/>
+                  </a:schemeClr>
+                </a:solidFill>
+              </a:defRPr>
+            </a:lvl7pPr>
+            <a:lvl8pPr marL="3200400" indent="0">
+              <a:buNone/>
+              <a:defRPr sz="1400">
+                <a:solidFill>
+                  <a:schemeClr val="tx1">
+                    <a:tint val="75000"/>
+                  </a:schemeClr>
+                </a:solidFill>
+              </a:defRPr>
+            </a:lvl8pPr>
+            <a:lvl9pPr marL="3657600" indent="0">
+              <a:buNone/>
+              <a:defRPr sz="1400">
+                <a:solidFill>
+                  <a:schemeClr val="tx1">
+                    <a:tint val="75000"/>
+                  </a:schemeClr>
+                </a:solidFill>
+              </a:defRPr>
+            </a:lvl9pPr>
+          </a:lstStyle>
+          <a:p>
+            <a:pPr lvl="0"/>
+            <a:r>
+              <a:rPr lang="en-US"/>
+              <a:t>Edit Master text styles</a:t>
+            </a:r>
+          </a:p>
+        </p:txBody>
+      </p:sp>
+      <p:sp>
+        <p:nvSpPr>
+          <p:cNvPr id="4" name="Date Placeholder 3"/>
+          <p:cNvSpPr>
+            <a:spLocks noGrp="1"/>
+          </p:cNvSpPr>
+          <p:nvPr>
+            <p:ph type="dt" sz="half" idx="10"/>
+          </p:nvPr>
+        </p:nvSpPr>
+        <p:spPr/>
+        <p:txBody>
+          <a:bodyPr/>
+          <a:lstStyle/>
+          <a:p>
+            <a:fld id="{5586B75A-687E-405C-8A0B-8D00578BA2C3}" type="datetimeFigureOut">
+              <a:rPr lang="en-US" smtClean="0"/>
+              <a:pPr/>
+              <a:t>9/29/2017</a:t>
+            </a:fld>
+            <a:endParaRPr lang="en-US" dirty="0"/>
+          </a:p>
+        </p:txBody>
+      </p:sp>
+      <p:sp>
+        <p:nvSpPr>
+          <p:cNvPr id="5" name="Footer Placeholder 4"/>
+          <p:cNvSpPr>
+            <a:spLocks noGrp="1"/>
+          </p:cNvSpPr>
+          <p:nvPr>
+            <p:ph type="ftr" sz="quarter" idx="11"/>
+          </p:nvPr>
+        </p:nvSpPr>
+        <p:spPr/>
+        <p:txBody>
+          <a:bodyPr/>
+          <a:lstStyle/>
+          <a:p>
+            <a:endParaRPr lang="en-US" dirty="0"/>
+          </a:p>
+        </p:txBody>
+      </p:sp>
+      <p:sp>
+        <p:nvSpPr>
+          <p:cNvPr id="6" name="Slide Number Placeholder 5"/>
+          <p:cNvSpPr>
+            <a:spLocks noGrp="1"/>
+          </p:cNvSpPr>
+          <p:nvPr>
+            <p:ph type="sldNum" sz="quarter" idx="12"/>
+          </p:nvPr>
+        </p:nvSpPr>
+        <p:spPr/>
+        <p:txBody>
+          <a:bodyPr/>
+          <a:lstStyle/>
+          <a:p>
+            <a:fld id="{4FAB73BC-B049-4115-A692-8D63A059BFB8}" type="slidenum">
+              <a:rPr lang="en-US" smtClean="0"/>
+              <a:pPr/>
+              <a:t>‹#›</a:t>
+            </a:fld>
+            <a:endParaRPr lang="en-US" dirty="0"/>
+          </a:p>
+        </p:txBody>
+      </p:sp>
+    </p:spTree>
+    <p:extLst>
+      <p:ext uri="{BB962C8B-B14F-4D97-AF65-F5344CB8AC3E}">
+        <p14:creationId xmlns:p14="http://schemas.microsoft.com/office/powerpoint/2010/main" val="1876374394"/>
+      </p:ext>
+    </p:extLst>
+  </p:cSld>
+  <p:clrMapOvr>
+    <a:masterClrMapping/>
+  </p:clrMapOvr>
+  <p:hf sldNum="0" hdr="0" ftr="0" dt="0"/>
+</p:sldLayout>
+</file>
+
+<file path=ppt/slideLayouts/slideLayout14.xml><?xml version="1.0" encoding="utf-8"?>
+<p:sldLayout xmlns:a="http://schemas.openxmlformats.org/drawingml/2006/main" xmlns:r="http://schemas.openxmlformats.org/officeDocument/2006/relationships" xmlns:p="http://schemas.openxmlformats.org/presentationml/2006/main" preserve="1">
+  <p:cSld name="Quote Name Card">
+    <p:spTree>
+      <p:nvGrpSpPr>
+        <p:cNvPr id="1" name=""/>
+        <p:cNvGrpSpPr/>
+        <p:nvPr/>
+      </p:nvGrpSpPr>
+      <p:grpSpPr>
+        <a:xfrm>
+          <a:off x="0" y="0"/>
+          <a:ext cx="0" cy="0"/>
+          <a:chOff x="0" y="0"/>
+          <a:chExt cx="0" cy="0"/>
+        </a:xfrm>
+      </p:grpSpPr>
+      <p:sp>
+        <p:nvSpPr>
+          <p:cNvPr id="2" name="Title 1"/>
+          <p:cNvSpPr>
+            <a:spLocks noGrp="1"/>
+          </p:cNvSpPr>
+          <p:nvPr>
+            <p:ph type="title"/>
+          </p:nvPr>
+        </p:nvSpPr>
+        <p:spPr>
+          <a:xfrm>
+            <a:off x="1141413" y="685800"/>
+            <a:ext cx="9144000" cy="2743200"/>
+          </a:xfrm>
+        </p:spPr>
+        <p:txBody>
+          <a:bodyPr anchor="ctr">
+            <a:normAutofit/>
+          </a:bodyPr>
+          <a:lstStyle>
+            <a:lvl1pPr algn="l">
+              <a:defRPr sz="3200" b="0" cap="all">
+                <a:solidFill>
+                  <a:schemeClr val="tx1"/>
+                </a:solidFill>
+              </a:defRPr>
+            </a:lvl1pPr>
+          </a:lstStyle>
+          <a:p>
+            <a:r>
+              <a:rPr lang="en-US"/>
+              <a:t>Click to edit Master title style</a:t>
+            </a:r>
+            <a:endParaRPr lang="en-US" dirty="0"/>
+          </a:p>
+        </p:txBody>
+      </p:sp>
+      <p:sp>
+        <p:nvSpPr>
+          <p:cNvPr id="10" name="Text Placeholder 9"/>
+          <p:cNvSpPr>
+            <a:spLocks noGrp="1"/>
+          </p:cNvSpPr>
+          <p:nvPr>
+            <p:ph type="body" sz="quarter" idx="13"/>
+          </p:nvPr>
+        </p:nvSpPr>
+        <p:spPr>
+          <a:xfrm>
+            <a:off x="684212" y="3928534"/>
+            <a:ext cx="8534401" cy="1049866"/>
+          </a:xfrm>
+        </p:spPr>
+        <p:txBody>
+          <a:bodyPr vert="horz" lIns="91440" tIns="45720" rIns="91440" bIns="45720" rtlCol="0" anchor="b">
+            <a:normAutofit/>
+          </a:bodyPr>
+          <a:lstStyle>
+            <a:lvl1pPr>
+              <a:buNone/>
+              <a:defRPr lang="en-US" sz="2400" b="0" cap="all" dirty="0">
+                <a:ln w="3175" cmpd="sng">
+                  <a:noFill/>
+                </a:ln>
+                <a:solidFill>
+                  <a:schemeClr val="tx1"/>
+                </a:solidFill>
+                <a:effectLst/>
+              </a:defRPr>
+            </a:lvl1pPr>
+          </a:lstStyle>
+          <a:p>
+            <a:pPr marL="0" lvl="0">
+              <a:spcBef>
+                <a:spcPct val="0"/>
+              </a:spcBef>
+              <a:buNone/>
+            </a:pPr>
+            <a:r>
+              <a:rPr lang="en-US"/>
+              <a:t>Edit Master text styles</a:t>
+            </a:r>
+          </a:p>
+        </p:txBody>
+      </p:sp>
+      <p:sp>
+        <p:nvSpPr>
+          <p:cNvPr id="3" name="Text Placeholder 2"/>
+          <p:cNvSpPr>
+            <a:spLocks noGrp="1"/>
+          </p:cNvSpPr>
+          <p:nvPr>
+            <p:ph type="body" idx="1"/>
+          </p:nvPr>
+        </p:nvSpPr>
+        <p:spPr>
+          <a:xfrm>
+            <a:off x="684211" y="4978400"/>
+            <a:ext cx="8534401" cy="1016000"/>
+          </a:xfrm>
+        </p:spPr>
+        <p:txBody>
+          <a:bodyPr anchor="t">
+            <a:normAutofit/>
+          </a:bodyPr>
+          <a:lstStyle>
+            <a:lvl1pPr marL="0" indent="0" algn="l">
+              <a:buNone/>
+              <a:defRPr sz="1800">
+                <a:solidFill>
+                  <a:schemeClr val="bg2">
+                    <a:lumMod val="75000"/>
+                  </a:schemeClr>
+                </a:solidFill>
+              </a:defRPr>
+            </a:lvl1pPr>
+            <a:lvl2pPr marL="457200" indent="0">
+              <a:buNone/>
+              <a:defRPr sz="1800">
+                <a:solidFill>
+                  <a:schemeClr val="tx1">
+                    <a:tint val="75000"/>
+                  </a:schemeClr>
+                </a:solidFill>
+              </a:defRPr>
+            </a:lvl2pPr>
+            <a:lvl3pPr marL="914400" indent="0">
+              <a:buNone/>
+              <a:defRPr sz="1600">
+                <a:solidFill>
+                  <a:schemeClr val="tx1">
+                    <a:tint val="75000"/>
+                  </a:schemeClr>
+                </a:solidFill>
+              </a:defRPr>
+            </a:lvl3pPr>
+            <a:lvl4pPr marL="1371600" indent="0">
+              <a:buNone/>
+              <a:defRPr sz="1400">
+                <a:solidFill>
+                  <a:schemeClr val="tx1">
+                    <a:tint val="75000"/>
+                  </a:schemeClr>
+                </a:solidFill>
+              </a:defRPr>
+            </a:lvl4pPr>
+            <a:lvl5pPr marL="1828800" indent="0">
+              <a:buNone/>
+              <a:defRPr sz="1400">
+                <a:solidFill>
+                  <a:schemeClr val="tx1">
+                    <a:tint val="75000"/>
+                  </a:schemeClr>
+                </a:solidFill>
+              </a:defRPr>
+            </a:lvl5pPr>
+            <a:lvl6pPr marL="2286000" indent="0">
+              <a:buNone/>
+              <a:defRPr sz="1400">
+                <a:solidFill>
+                  <a:schemeClr val="tx1">
+                    <a:tint val="75000"/>
+                  </a:schemeClr>
+                </a:solidFill>
+              </a:defRPr>
+            </a:lvl6pPr>
+            <a:lvl7pPr marL="2743200" indent="0">
+              <a:buNone/>
+              <a:defRPr sz="1400">
+                <a:solidFill>
+                  <a:schemeClr val="tx1">
+                    <a:tint val="75000"/>
+                  </a:schemeClr>
+                </a:solidFill>
+              </a:defRPr>
+            </a:lvl7pPr>
+            <a:lvl8pPr marL="3200400" indent="0">
+              <a:buNone/>
+              <a:defRPr sz="1400">
+                <a:solidFill>
+                  <a:schemeClr val="tx1">
+                    <a:tint val="75000"/>
+                  </a:schemeClr>
+                </a:solidFill>
+              </a:defRPr>
+            </a:lvl8pPr>
+            <a:lvl9pPr marL="3657600" indent="0">
+              <a:buNone/>
+              <a:defRPr sz="1400">
+                <a:solidFill>
+                  <a:schemeClr val="tx1">
+                    <a:tint val="75000"/>
+                  </a:schemeClr>
+                </a:solidFill>
+              </a:defRPr>
+            </a:lvl9pPr>
+          </a:lstStyle>
+          <a:p>
+            <a:pPr lvl="0"/>
+            <a:r>
+              <a:rPr lang="en-US"/>
+              <a:t>Edit Master text styles</a:t>
+            </a:r>
+          </a:p>
+        </p:txBody>
+      </p:sp>
+      <p:sp>
+        <p:nvSpPr>
+          <p:cNvPr id="4" name="Date Placeholder 3"/>
+          <p:cNvSpPr>
+            <a:spLocks noGrp="1"/>
+          </p:cNvSpPr>
+          <p:nvPr>
+            <p:ph type="dt" sz="half" idx="10"/>
+          </p:nvPr>
+        </p:nvSpPr>
+        <p:spPr/>
+        <p:txBody>
+          <a:bodyPr/>
+          <a:lstStyle/>
+          <a:p>
+            <a:fld id="{5586B75A-687E-405C-8A0B-8D00578BA2C3}" type="datetimeFigureOut">
+              <a:rPr lang="en-US" smtClean="0"/>
+              <a:pPr/>
+              <a:t>9/29/2017</a:t>
+            </a:fld>
+            <a:endParaRPr lang="en-US" dirty="0"/>
+          </a:p>
+        </p:txBody>
+      </p:sp>
+      <p:sp>
+        <p:nvSpPr>
+          <p:cNvPr id="5" name="Footer Placeholder 4"/>
+          <p:cNvSpPr>
+            <a:spLocks noGrp="1"/>
+          </p:cNvSpPr>
+          <p:nvPr>
+            <p:ph type="ftr" sz="quarter" idx="11"/>
+          </p:nvPr>
+        </p:nvSpPr>
+        <p:spPr/>
+        <p:txBody>
+          <a:bodyPr/>
+          <a:lstStyle/>
+          <a:p>
+            <a:endParaRPr lang="en-US" dirty="0"/>
+          </a:p>
+        </p:txBody>
+      </p:sp>
+      <p:sp>
+        <p:nvSpPr>
+          <p:cNvPr id="6" name="Slide Number Placeholder 5"/>
+          <p:cNvSpPr>
+            <a:spLocks noGrp="1"/>
+          </p:cNvSpPr>
+          <p:nvPr>
+            <p:ph type="sldNum" sz="quarter" idx="12"/>
+          </p:nvPr>
+        </p:nvSpPr>
+        <p:spPr/>
+        <p:txBody>
+          <a:bodyPr/>
+          <a:lstStyle/>
+          <a:p>
+            <a:fld id="{4FAB73BC-B049-4115-A692-8D63A059BFB8}" type="slidenum">
+              <a:rPr lang="en-US" smtClean="0"/>
+              <a:pPr/>
+              <a:t>‹#›</a:t>
+            </a:fld>
+            <a:endParaRPr lang="en-US" dirty="0"/>
+          </a:p>
+        </p:txBody>
+      </p:sp>
+      <p:sp>
+        <p:nvSpPr>
+          <p:cNvPr id="11" name="TextBox 10"/>
+          <p:cNvSpPr txBox="1"/>
+          <p:nvPr/>
+        </p:nvSpPr>
+        <p:spPr>
+          <a:xfrm>
+            <a:off x="531812" y="812222"/>
+            <a:ext cx="609600" cy="584776"/>
+          </a:xfrm>
+          <a:prstGeom prst="rect">
+            <a:avLst/>
+          </a:prstGeom>
+        </p:spPr>
+        <p:txBody>
+          <a:bodyPr vert="horz" lIns="91440" tIns="45720" rIns="91440" bIns="45720" rtlCol="0" anchor="ctr">
+            <a:noAutofit/>
+          </a:bodyPr>
+          <a:lstStyle/>
+          <a:p>
+            <a:pPr lvl="0"/>
+            <a:r>
+              <a:rPr lang="en-US" sz="8000" dirty="0">
+                <a:solidFill>
+                  <a:schemeClr val="tx1"/>
+                </a:solidFill>
+                <a:effectLst/>
+              </a:rPr>
+              <a:t>“</a:t>
+            </a:r>
+          </a:p>
+        </p:txBody>
+      </p:sp>
+      <p:sp>
+        <p:nvSpPr>
+          <p:cNvPr id="12" name="TextBox 11"/>
+          <p:cNvSpPr txBox="1"/>
+          <p:nvPr/>
+        </p:nvSpPr>
+        <p:spPr>
+          <a:xfrm>
+            <a:off x="10285412" y="2768601"/>
+            <a:ext cx="609600" cy="584776"/>
+          </a:xfrm>
+          <a:prstGeom prst="rect">
+            <a:avLst/>
+          </a:prstGeom>
+        </p:spPr>
+        <p:txBody>
+          <a:bodyPr vert="horz" lIns="91440" tIns="45720" rIns="91440" bIns="45720" rtlCol="0" anchor="ctr">
+            <a:noAutofit/>
+          </a:bodyPr>
+          <a:lstStyle/>
+          <a:p>
+            <a:pPr lvl="0" algn="r"/>
+            <a:r>
+              <a:rPr lang="en-US" sz="8000" dirty="0">
+                <a:solidFill>
+                  <a:schemeClr val="tx1"/>
+                </a:solidFill>
+                <a:effectLst/>
+              </a:rPr>
+              <a:t>”</a:t>
+            </a:r>
+          </a:p>
+        </p:txBody>
+      </p:sp>
+    </p:spTree>
+    <p:extLst>
+      <p:ext uri="{BB962C8B-B14F-4D97-AF65-F5344CB8AC3E}">
+        <p14:creationId xmlns:p14="http://schemas.microsoft.com/office/powerpoint/2010/main" val="1922742437"/>
+      </p:ext>
+    </p:extLst>
+  </p:cSld>
+  <p:clrMapOvr>
+    <a:masterClrMapping/>
+  </p:clrMapOvr>
+  <p:hf sldNum="0" hdr="0" ftr="0" dt="0"/>
+</p:sldLayout>
+</file>
+
+<file path=ppt/slideLayouts/slideLayout15.xml><?xml version="1.0" encoding="utf-8"?>
+<p:sldLayout xmlns:a="http://schemas.openxmlformats.org/drawingml/2006/main" xmlns:r="http://schemas.openxmlformats.org/officeDocument/2006/relationships" xmlns:p="http://schemas.openxmlformats.org/presentationml/2006/main" preserve="1">
+  <p:cSld name="True or False">
+    <p:spTree>
+      <p:nvGrpSpPr>
+        <p:cNvPr id="1" name=""/>
+        <p:cNvGrpSpPr/>
+        <p:nvPr/>
+      </p:nvGrpSpPr>
+      <p:grpSpPr>
+        <a:xfrm>
+          <a:off x="0" y="0"/>
+          <a:ext cx="0" cy="0"/>
+          <a:chOff x="0" y="0"/>
+          <a:chExt cx="0" cy="0"/>
+        </a:xfrm>
+      </p:grpSpPr>
+      <p:sp>
+        <p:nvSpPr>
+          <p:cNvPr id="2" name="Title 1"/>
+          <p:cNvSpPr>
+            <a:spLocks noGrp="1"/>
+          </p:cNvSpPr>
+          <p:nvPr>
+            <p:ph type="title"/>
+          </p:nvPr>
+        </p:nvSpPr>
+        <p:spPr>
+          <a:xfrm>
+            <a:off x="684213" y="685800"/>
+            <a:ext cx="10058400" cy="2743200"/>
+          </a:xfrm>
+        </p:spPr>
+        <p:txBody>
+          <a:bodyPr vert="horz" lIns="91440" tIns="45720" rIns="91440" bIns="45720" rtlCol="0" anchor="ctr">
+            <a:normAutofit/>
+          </a:bodyPr>
+          <a:lstStyle>
+            <a:lvl1pPr>
+              <a:defRPr lang="en-US" b="0" dirty="0"/>
+            </a:lvl1pPr>
+          </a:lstStyle>
+          <a:p>
+            <a:pPr marL="0" lvl="0"/>
+            <a:r>
+              <a:rPr lang="en-US"/>
+              <a:t>Click to edit Master title style</a:t>
+            </a:r>
+            <a:endParaRPr lang="en-US" dirty="0"/>
+          </a:p>
+        </p:txBody>
+      </p:sp>
+      <p:sp>
+        <p:nvSpPr>
+          <p:cNvPr id="10" name="Text Placeholder 9"/>
+          <p:cNvSpPr>
+            <a:spLocks noGrp="1"/>
+          </p:cNvSpPr>
+          <p:nvPr>
+            <p:ph type="body" sz="quarter" idx="13"/>
+          </p:nvPr>
+        </p:nvSpPr>
+        <p:spPr>
+          <a:xfrm>
+            <a:off x="684212" y="3928534"/>
+            <a:ext cx="8534400" cy="838200"/>
+          </a:xfrm>
+        </p:spPr>
+        <p:txBody>
+          <a:bodyPr vert="horz" lIns="91440" tIns="45720" rIns="91440" bIns="45720" rtlCol="0" anchor="b">
+            <a:normAutofit/>
+          </a:bodyPr>
+          <a:lstStyle>
+            <a:lvl1pPr>
+              <a:buNone/>
+              <a:defRPr lang="en-US" sz="2400" b="0" cap="all" dirty="0">
+                <a:ln w="3175" cmpd="sng">
+                  <a:noFill/>
+                </a:ln>
+                <a:solidFill>
+                  <a:schemeClr val="tx1"/>
+                </a:solidFill>
+                <a:effectLst/>
+              </a:defRPr>
+            </a:lvl1pPr>
+          </a:lstStyle>
+          <a:p>
+            <a:pPr marL="0" lvl="0">
+              <a:spcBef>
+                <a:spcPct val="0"/>
+              </a:spcBef>
+              <a:buNone/>
+            </a:pPr>
+            <a:r>
+              <a:rPr lang="en-US"/>
+              <a:t>Edit Master text styles</a:t>
+            </a:r>
+          </a:p>
+        </p:txBody>
+      </p:sp>
+      <p:sp>
+        <p:nvSpPr>
+          <p:cNvPr id="3" name="Text Placeholder 2"/>
+          <p:cNvSpPr>
+            <a:spLocks noGrp="1"/>
+          </p:cNvSpPr>
+          <p:nvPr>
+            <p:ph type="body" idx="1"/>
+          </p:nvPr>
+        </p:nvSpPr>
+        <p:spPr>
+          <a:xfrm>
+            <a:off x="684211" y="4766732"/>
+            <a:ext cx="8534401" cy="1227667"/>
+          </a:xfrm>
+        </p:spPr>
+        <p:txBody>
+          <a:bodyPr anchor="t">
+            <a:normAutofit/>
+          </a:bodyPr>
+          <a:lstStyle>
+            <a:lvl1pPr marL="0" indent="0" algn="l">
+              <a:buNone/>
+              <a:defRPr sz="1800">
+                <a:solidFill>
+                  <a:schemeClr val="bg2">
+                    <a:lumMod val="75000"/>
+                  </a:schemeClr>
+                </a:solidFill>
+              </a:defRPr>
+            </a:lvl1pPr>
+            <a:lvl2pPr marL="457200" indent="0">
+              <a:buNone/>
+              <a:defRPr sz="1800">
+                <a:solidFill>
+                  <a:schemeClr val="tx1">
+                    <a:tint val="75000"/>
+                  </a:schemeClr>
+                </a:solidFill>
+              </a:defRPr>
+            </a:lvl2pPr>
+            <a:lvl3pPr marL="914400" indent="0">
+              <a:buNone/>
+              <a:defRPr sz="1600">
+                <a:solidFill>
+                  <a:schemeClr val="tx1">
+                    <a:tint val="75000"/>
+                  </a:schemeClr>
+                </a:solidFill>
+              </a:defRPr>
+            </a:lvl3pPr>
+            <a:lvl4pPr marL="1371600" indent="0">
+              <a:buNone/>
+              <a:defRPr sz="1400">
+                <a:solidFill>
+                  <a:schemeClr val="tx1">
+                    <a:tint val="75000"/>
+                  </a:schemeClr>
+                </a:solidFill>
+              </a:defRPr>
+            </a:lvl4pPr>
+            <a:lvl5pPr marL="1828800" indent="0">
+              <a:buNone/>
+              <a:defRPr sz="1400">
+                <a:solidFill>
+                  <a:schemeClr val="tx1">
+                    <a:tint val="75000"/>
+                  </a:schemeClr>
+                </a:solidFill>
+              </a:defRPr>
+            </a:lvl5pPr>
+            <a:lvl6pPr marL="2286000" indent="0">
+              <a:buNone/>
+              <a:defRPr sz="1400">
+                <a:solidFill>
+                  <a:schemeClr val="tx1">
+                    <a:tint val="75000"/>
+                  </a:schemeClr>
+                </a:solidFill>
+              </a:defRPr>
+            </a:lvl6pPr>
+            <a:lvl7pPr marL="2743200" indent="0">
+              <a:buNone/>
+              <a:defRPr sz="1400">
+                <a:solidFill>
+                  <a:schemeClr val="tx1">
+                    <a:tint val="75000"/>
+                  </a:schemeClr>
+                </a:solidFill>
+              </a:defRPr>
+            </a:lvl7pPr>
+            <a:lvl8pPr marL="3200400" indent="0">
+              <a:buNone/>
+              <a:defRPr sz="1400">
+                <a:solidFill>
+                  <a:schemeClr val="tx1">
+                    <a:tint val="75000"/>
+                  </a:schemeClr>
+                </a:solidFill>
+              </a:defRPr>
+            </a:lvl8pPr>
+            <a:lvl9pPr marL="3657600" indent="0">
+              <a:buNone/>
+              <a:defRPr sz="1400">
+                <a:solidFill>
+                  <a:schemeClr val="tx1">
+                    <a:tint val="75000"/>
+                  </a:schemeClr>
+                </a:solidFill>
+              </a:defRPr>
+            </a:lvl9pPr>
+          </a:lstStyle>
+          <a:p>
+            <a:pPr lvl="0"/>
+            <a:r>
+              <a:rPr lang="en-US"/>
+              <a:t>Edit Master text styles</a:t>
+            </a:r>
+          </a:p>
+        </p:txBody>
+      </p:sp>
+      <p:sp>
+        <p:nvSpPr>
+          <p:cNvPr id="4" name="Date Placeholder 3"/>
+          <p:cNvSpPr>
+            <a:spLocks noGrp="1"/>
+          </p:cNvSpPr>
+          <p:nvPr>
+            <p:ph type="dt" sz="half" idx="10"/>
+          </p:nvPr>
+        </p:nvSpPr>
+        <p:spPr/>
+        <p:txBody>
+          <a:bodyPr/>
+          <a:lstStyle/>
+          <a:p>
+            <a:fld id="{5586B75A-687E-405C-8A0B-8D00578BA2C3}" type="datetimeFigureOut">
+              <a:rPr lang="en-US" smtClean="0"/>
+              <a:pPr/>
+              <a:t>9/29/2017</a:t>
+            </a:fld>
+            <a:endParaRPr lang="en-US" dirty="0"/>
+          </a:p>
+        </p:txBody>
+      </p:sp>
+      <p:sp>
+        <p:nvSpPr>
+          <p:cNvPr id="5" name="Footer Placeholder 4"/>
+          <p:cNvSpPr>
+            <a:spLocks noGrp="1"/>
+          </p:cNvSpPr>
+          <p:nvPr>
+            <p:ph type="ftr" sz="quarter" idx="11"/>
+          </p:nvPr>
+        </p:nvSpPr>
+        <p:spPr/>
+        <p:txBody>
+          <a:bodyPr/>
+          <a:lstStyle/>
+          <a:p>
+            <a:endParaRPr lang="en-US" dirty="0"/>
+          </a:p>
+        </p:txBody>
+      </p:sp>
+      <p:sp>
+        <p:nvSpPr>
+          <p:cNvPr id="6" name="Slide Number Placeholder 5"/>
+          <p:cNvSpPr>
+            <a:spLocks noGrp="1"/>
+          </p:cNvSpPr>
+          <p:nvPr>
+            <p:ph type="sldNum" sz="quarter" idx="12"/>
+          </p:nvPr>
+        </p:nvSpPr>
+        <p:spPr/>
+        <p:txBody>
+          <a:bodyPr/>
+          <a:lstStyle/>
+          <a:p>
+            <a:fld id="{4FAB73BC-B049-4115-A692-8D63A059BFB8}" type="slidenum">
+              <a:rPr lang="en-US" smtClean="0"/>
+              <a:pPr/>
+              <a:t>‹#›</a:t>
+            </a:fld>
+            <a:endParaRPr lang="en-US" dirty="0"/>
+          </a:p>
+        </p:txBody>
+      </p:sp>
+    </p:spTree>
+    <p:extLst>
+      <p:ext uri="{BB962C8B-B14F-4D97-AF65-F5344CB8AC3E}">
+        <p14:creationId xmlns:p14="http://schemas.microsoft.com/office/powerpoint/2010/main" val="2340647264"/>
+      </p:ext>
+    </p:extLst>
+  </p:cSld>
+  <p:clrMapOvr>
+    <a:masterClrMapping/>
+  </p:clrMapOvr>
+  <p:hf sldNum="0" hdr="0" ftr="0" dt="0"/>
+</p:sldLayout>
+</file>
+
+<file path=ppt/slideLayouts/slideLayout16.xml><?xml version="1.0" encoding="utf-8"?>
 <p:sldLayout xmlns:a="http://schemas.openxmlformats.org/drawingml/2006/main" xmlns:r="http://schemas.openxmlformats.org/officeDocument/2006/relationships" xmlns:p="http://schemas.openxmlformats.org/presentationml/2006/main" type="vertTx" preserve="1">
   <p:cSld name="Title and Vertical Text">
     <p:spTree>
@@ -421,7 +2401,11 @@
         <p:spPr/>
         <p:txBody>
           <a:bodyPr/>
-          <a:lstStyle/>
+          <a:lstStyle>
+            <a:lvl1pPr algn="l">
+              <a:defRPr/>
+            </a:lvl1pPr>
+          </a:lstStyle>
           <a:p>
             <a:r>
               <a:rPr lang="en-US"/>
@@ -485,7 +2469,7 @@
       </p:sp>
       <p:sp>
         <p:nvSpPr>
-          <p:cNvPr id="7" name="Date Placeholder 6"/>
+          <p:cNvPr id="4" name="Date Placeholder 3"/>
           <p:cNvSpPr>
             <a:spLocks noGrp="1"/>
           </p:cNvSpPr>
@@ -499,9 +2483,9 @@
           <a:lstStyle/>
           <a:p>
             <a:fld id="{5586B75A-687E-405C-8A0B-8D00578BA2C3}" type="datetimeFigureOut">
-              <a:rPr lang="en-US" dirty="0"/>
+              <a:rPr lang="en-US" smtClean="0"/>
               <a:pPr/>
-              <a:t>9/28/2017</a:t>
+              <a:t>9/29/2017</a:t>
             </a:fld>
             <a:endParaRPr lang="en-US" dirty="0"/>
           </a:p>
@@ -509,7 +2493,7 @@
       </p:sp>
       <p:sp>
         <p:nvSpPr>
-          <p:cNvPr id="8" name="Footer Placeholder 7"/>
+          <p:cNvPr id="5" name="Footer Placeholder 4"/>
           <p:cNvSpPr>
             <a:spLocks noGrp="1"/>
           </p:cNvSpPr>
@@ -528,7 +2512,7 @@
       </p:sp>
       <p:sp>
         <p:nvSpPr>
-          <p:cNvPr id="9" name="Slide Number Placeholder 8"/>
+          <p:cNvPr id="6" name="Slide Number Placeholder 5"/>
           <p:cNvSpPr>
             <a:spLocks noGrp="1"/>
           </p:cNvSpPr>
@@ -542,7 +2526,7 @@
           <a:lstStyle/>
           <a:p>
             <a:fld id="{4FAB73BC-B049-4115-A692-8D63A059BFB8}" type="slidenum">
-              <a:rPr lang="en-US" dirty="0"/>
+              <a:rPr lang="en-US" smtClean="0"/>
               <a:pPr/>
               <a:t>‹#›</a:t>
             </a:fld>
@@ -551,6 +2535,11 @@
         </p:txBody>
       </p:sp>
     </p:spTree>
+    <p:extLst>
+      <p:ext uri="{BB962C8B-B14F-4D97-AF65-F5344CB8AC3E}">
+        <p14:creationId xmlns:p14="http://schemas.microsoft.com/office/powerpoint/2010/main" val="4101240961"/>
+      </p:ext>
+    </p:extLst>
   </p:cSld>
   <p:clrMapOvr>
     <a:masterClrMapping/>
@@ -558,7 +2547,7 @@
 </p:sldLayout>
 </file>
 
-<file path=ppt/slideLayouts/slideLayout11.xml><?xml version="1.0" encoding="utf-8"?>
+<file path=ppt/slideLayouts/slideLayout17.xml><?xml version="1.0" encoding="utf-8"?>
 <p:sldLayout xmlns:a="http://schemas.openxmlformats.org/drawingml/2006/main" xmlns:r="http://schemas.openxmlformats.org/officeDocument/2006/relationships" xmlns:p="http://schemas.openxmlformats.org/presentationml/2006/main" type="vertTitleAndTx" preserve="1">
   <p:cSld name="Vertical Title and Text">
     <p:spTree>
@@ -587,8 +2576,8 @@
         </p:nvSpPr>
         <p:spPr>
           <a:xfrm>
-            <a:off x="381000" y="990600"/>
-            <a:ext cx="2819400" cy="4953000"/>
+            <a:off x="8685212" y="685800"/>
+            <a:ext cx="2057400" cy="4572000"/>
           </a:xfrm>
         </p:spPr>
         <p:txBody>
@@ -615,8 +2604,8 @@
         </p:nvSpPr>
         <p:spPr>
           <a:xfrm>
-            <a:off x="3867912" y="868680"/>
-            <a:ext cx="7315200" cy="5120640"/>
+            <a:off x="685800" y="685800"/>
+            <a:ext cx="7823200" cy="5308600"/>
           </a:xfrm>
         </p:spPr>
         <p:txBody>
@@ -662,7 +2651,7 @@
       </p:sp>
       <p:sp>
         <p:nvSpPr>
-          <p:cNvPr id="7" name="Date Placeholder 6"/>
+          <p:cNvPr id="4" name="Date Placeholder 3"/>
           <p:cNvSpPr>
             <a:spLocks noGrp="1"/>
           </p:cNvSpPr>
@@ -676,9 +2665,9 @@
           <a:lstStyle/>
           <a:p>
             <a:fld id="{5586B75A-687E-405C-8A0B-8D00578BA2C3}" type="datetimeFigureOut">
-              <a:rPr lang="en-US" dirty="0"/>
+              <a:rPr lang="en-US" smtClean="0"/>
               <a:pPr/>
-              <a:t>9/28/2017</a:t>
+              <a:t>9/29/2017</a:t>
             </a:fld>
             <a:endParaRPr lang="en-US" dirty="0"/>
           </a:p>
@@ -686,7 +2675,7 @@
       </p:sp>
       <p:sp>
         <p:nvSpPr>
-          <p:cNvPr id="8" name="Footer Placeholder 7"/>
+          <p:cNvPr id="5" name="Footer Placeholder 4"/>
           <p:cNvSpPr>
             <a:spLocks noGrp="1"/>
           </p:cNvSpPr>
@@ -705,7 +2694,7 @@
       </p:sp>
       <p:sp>
         <p:nvSpPr>
-          <p:cNvPr id="9" name="Slide Number Placeholder 8"/>
+          <p:cNvPr id="6" name="Slide Number Placeholder 5"/>
           <p:cNvSpPr>
             <a:spLocks noGrp="1"/>
           </p:cNvSpPr>
@@ -719,7 +2708,7 @@
           <a:lstStyle/>
           <a:p>
             <a:fld id="{4FAB73BC-B049-4115-A692-8D63A059BFB8}" type="slidenum">
-              <a:rPr lang="en-US" dirty="0"/>
+              <a:rPr lang="en-US" smtClean="0"/>
               <a:pPr/>
               <a:t>‹#›</a:t>
             </a:fld>
@@ -728,6 +2717,11 @@
         </p:txBody>
       </p:sp>
     </p:spTree>
+    <p:extLst>
+      <p:ext uri="{BB962C8B-B14F-4D97-AF65-F5344CB8AC3E}">
+        <p14:creationId xmlns:p14="http://schemas.microsoft.com/office/powerpoint/2010/main" val="1426051332"/>
+      </p:ext>
+    </p:extLst>
   </p:cSld>
   <p:clrMapOvr>
     <a:masterClrMapping/>
@@ -787,54 +2781,78 @@
         </p:nvSpPr>
         <p:spPr/>
         <p:txBody>
+          <a:bodyPr anchor="ctr"/>
+          <a:lstStyle/>
+          <a:p>
+            <a:pPr lvl="0"/>
+            <a:r>
+              <a:rPr lang="en-US"/>
+              <a:t>Edit Master text styles</a:t>
+            </a:r>
+          </a:p>
+          <a:p>
+            <a:pPr lvl="1"/>
+            <a:r>
+              <a:rPr lang="en-US"/>
+              <a:t>Second level</a:t>
+            </a:r>
+          </a:p>
+          <a:p>
+            <a:pPr lvl="2"/>
+            <a:r>
+              <a:rPr lang="en-US"/>
+              <a:t>Third level</a:t>
+            </a:r>
+          </a:p>
+          <a:p>
+            <a:pPr lvl="3"/>
+            <a:r>
+              <a:rPr lang="en-US"/>
+              <a:t>Fourth level</a:t>
+            </a:r>
+          </a:p>
+          <a:p>
+            <a:pPr lvl="4"/>
+            <a:r>
+              <a:rPr lang="en-US"/>
+              <a:t>Fifth level</a:t>
+            </a:r>
+            <a:endParaRPr lang="en-US" dirty="0"/>
+          </a:p>
+        </p:txBody>
+      </p:sp>
+      <p:sp>
+        <p:nvSpPr>
+          <p:cNvPr id="4" name="Date Placeholder 3"/>
+          <p:cNvSpPr>
+            <a:spLocks noGrp="1"/>
+          </p:cNvSpPr>
+          <p:nvPr>
+            <p:ph type="dt" sz="half" idx="10"/>
+          </p:nvPr>
+        </p:nvSpPr>
+        <p:spPr/>
+        <p:txBody>
           <a:bodyPr/>
           <a:lstStyle/>
           <a:p>
-            <a:pPr lvl="0"/>
-            <a:r>
-              <a:rPr lang="en-US"/>
-              <a:t>Edit Master text styles</a:t>
-            </a:r>
-          </a:p>
-          <a:p>
-            <a:pPr lvl="1"/>
-            <a:r>
-              <a:rPr lang="en-US"/>
-              <a:t>Second level</a:t>
-            </a:r>
-          </a:p>
-          <a:p>
-            <a:pPr lvl="2"/>
-            <a:r>
-              <a:rPr lang="en-US"/>
-              <a:t>Third level</a:t>
-            </a:r>
-          </a:p>
-          <a:p>
-            <a:pPr lvl="3"/>
-            <a:r>
-              <a:rPr lang="en-US"/>
-              <a:t>Fourth level</a:t>
-            </a:r>
-          </a:p>
-          <a:p>
-            <a:pPr lvl="4"/>
-            <a:r>
-              <a:rPr lang="en-US"/>
-              <a:t>Fifth level</a:t>
-            </a:r>
-            <a:endParaRPr lang="en-US" dirty="0"/>
-          </a:p>
-        </p:txBody>
-      </p:sp>
-      <p:sp>
-        <p:nvSpPr>
-          <p:cNvPr id="4" name="Date Placeholder 3"/>
-          <p:cNvSpPr>
-            <a:spLocks noGrp="1"/>
-          </p:cNvSpPr>
-          <p:nvPr>
-            <p:ph type="dt" sz="half" idx="10"/>
+            <a:fld id="{5586B75A-687E-405C-8A0B-8D00578BA2C3}" type="datetimeFigureOut">
+              <a:rPr lang="en-US" smtClean="0"/>
+              <a:pPr/>
+              <a:t>9/29/2017</a:t>
+            </a:fld>
+            <a:endParaRPr lang="en-US" dirty="0"/>
+          </a:p>
+        </p:txBody>
+      </p:sp>
+      <p:sp>
+        <p:nvSpPr>
+          <p:cNvPr id="5" name="Footer Placeholder 4"/>
+          <p:cNvSpPr>
+            <a:spLocks noGrp="1"/>
+          </p:cNvSpPr>
+          <p:nvPr>
+            <p:ph type="ftr" sz="quarter" idx="11"/>
           </p:nvPr>
         </p:nvSpPr>
         <p:spPr/>
@@ -842,23 +2860,18 @@
           <a:bodyPr/>
           <a:lstStyle/>
           <a:p>
-            <a:fld id="{5586B75A-687E-405C-8A0B-8D00578BA2C3}" type="datetimeFigureOut">
-              <a:rPr lang="en-US" dirty="0"/>
-              <a:pPr/>
-              <a:t>9/28/2017</a:t>
-            </a:fld>
-            <a:endParaRPr lang="en-US" dirty="0"/>
-          </a:p>
-        </p:txBody>
-      </p:sp>
-      <p:sp>
-        <p:nvSpPr>
-          <p:cNvPr id="5" name="Footer Placeholder 4"/>
-          <p:cNvSpPr>
-            <a:spLocks noGrp="1"/>
-          </p:cNvSpPr>
-          <p:nvPr>
-            <p:ph type="ftr" sz="quarter" idx="11"/>
+            <a:endParaRPr lang="en-US" dirty="0"/>
+          </a:p>
+        </p:txBody>
+      </p:sp>
+      <p:sp>
+        <p:nvSpPr>
+          <p:cNvPr id="6" name="Slide Number Placeholder 5"/>
+          <p:cNvSpPr>
+            <a:spLocks noGrp="1"/>
+          </p:cNvSpPr>
+          <p:nvPr>
+            <p:ph type="sldNum" sz="quarter" idx="12"/>
           </p:nvPr>
         </p:nvSpPr>
         <p:spPr/>
@@ -866,27 +2879,8 @@
           <a:bodyPr/>
           <a:lstStyle/>
           <a:p>
-            <a:endParaRPr lang="en-US" dirty="0"/>
-          </a:p>
-        </p:txBody>
-      </p:sp>
-      <p:sp>
-        <p:nvSpPr>
-          <p:cNvPr id="6" name="Slide Number Placeholder 5"/>
-          <p:cNvSpPr>
-            <a:spLocks noGrp="1"/>
-          </p:cNvSpPr>
-          <p:nvPr>
-            <p:ph type="sldNum" sz="quarter" idx="12"/>
-          </p:nvPr>
-        </p:nvSpPr>
-        <p:spPr/>
-        <p:txBody>
-          <a:bodyPr/>
-          <a:lstStyle/>
-          <a:p>
             <a:fld id="{4FAB73BC-B049-4115-A692-8D63A059BFB8}" type="slidenum">
-              <a:rPr lang="en-US" dirty="0"/>
+              <a:rPr lang="en-US" smtClean="0"/>
               <a:pPr/>
               <a:t>‹#›</a:t>
             </a:fld>
@@ -895,6 +2889,11 @@
         </p:txBody>
       </p:sp>
     </p:spTree>
+    <p:extLst>
+      <p:ext uri="{BB962C8B-B14F-4D97-AF65-F5344CB8AC3E}">
+        <p14:creationId xmlns:p14="http://schemas.microsoft.com/office/powerpoint/2010/main" val="2900152670"/>
+      </p:ext>
+    </p:extLst>
   </p:cSld>
   <p:clrMapOvr>
     <a:masterClrMapping/>
@@ -931,8 +2930,8 @@
         </p:nvSpPr>
         <p:spPr>
           <a:xfrm>
-            <a:off x="3867912" y="1298448"/>
-            <a:ext cx="7315200" cy="3255264"/>
+            <a:off x="684211" y="2006600"/>
+            <a:ext cx="8534401" cy="2281600"/>
           </a:xfrm>
         </p:spPr>
         <p:txBody>
@@ -940,15 +2939,8 @@
             <a:normAutofit/>
           </a:bodyPr>
           <a:lstStyle>
-            <a:lvl1pPr>
-              <a:defRPr sz="5900" b="0" spc="-100" baseline="0">
-                <a:solidFill>
-                  <a:schemeClr val="tx1">
-                    <a:lumMod val="65000"/>
-                    <a:lumOff val="35000"/>
-                  </a:schemeClr>
-                </a:solidFill>
-              </a:defRPr>
+            <a:lvl1pPr algn="l">
+              <a:defRPr sz="3600" b="0" cap="all"/>
             </a:lvl1pPr>
           </a:lstStyle>
           <a:p>
@@ -972,8 +2964,8 @@
         </p:nvSpPr>
         <p:spPr>
           <a:xfrm>
-            <a:off x="3886200" y="4672584"/>
-            <a:ext cx="7315200" cy="914400"/>
+            <a:off x="684213" y="4495800"/>
+            <a:ext cx="8534400" cy="1498600"/>
           </a:xfrm>
         </p:spPr>
         <p:txBody>
@@ -981,13 +2973,12 @@
             <a:normAutofit/>
           </a:bodyPr>
           <a:lstStyle>
-            <a:lvl1pPr marL="0" indent="0">
-              <a:buNone/>
-              <a:defRPr sz="2200" cap="none" spc="0" baseline="0">
-                <a:solidFill>
-                  <a:schemeClr val="tx1">
-                    <a:lumMod val="65000"/>
-                    <a:lumOff val="35000"/>
+            <a:lvl1pPr marL="0" indent="0" algn="l">
+              <a:buNone/>
+              <a:defRPr sz="1800">
+                <a:solidFill>
+                  <a:schemeClr val="bg2">
+                    <a:lumMod val="75000"/>
                   </a:schemeClr>
                 </a:solidFill>
               </a:defRPr>
@@ -1098,9 +3089,9 @@
           <a:lstStyle/>
           <a:p>
             <a:fld id="{5586B75A-687E-405C-8A0B-8D00578BA2C3}" type="datetimeFigureOut">
-              <a:rPr lang="en-US" dirty="0"/>
+              <a:rPr lang="en-US" smtClean="0"/>
               <a:pPr/>
-              <a:t>9/28/2017</a:t>
+              <a:t>9/29/2017</a:t>
             </a:fld>
             <a:endParaRPr lang="en-US" dirty="0"/>
           </a:p>
@@ -1141,7 +3132,7 @@
           <a:lstStyle/>
           <a:p>
             <a:fld id="{4FAB73BC-B049-4115-A692-8D63A059BFB8}" type="slidenum">
-              <a:rPr lang="en-US" dirty="0"/>
+              <a:rPr lang="en-US" smtClean="0"/>
               <a:pPr/>
               <a:t>‹#›</a:t>
             </a:fld>
@@ -1150,6 +3141,11 @@
         </p:txBody>
       </p:sp>
     </p:spTree>
+    <p:extLst>
+      <p:ext uri="{BB962C8B-B14F-4D97-AF65-F5344CB8AC3E}">
+        <p14:creationId xmlns:p14="http://schemas.microsoft.com/office/powerpoint/2010/main" val="2825148750"/>
+      </p:ext>
+    </p:extLst>
   </p:cSld>
   <p:clrMapOvr>
     <a:masterClrMapping/>
@@ -1209,41 +3205,15 @@
         </p:nvSpPr>
         <p:spPr>
           <a:xfrm>
-            <a:off x="3867912" y="868680"/>
-            <a:ext cx="3474720" cy="5120640"/>
+            <a:off x="684211" y="685800"/>
+            <a:ext cx="4937655" cy="3615267"/>
           </a:xfrm>
         </p:spPr>
         <p:txBody>
-          <a:bodyPr/>
-          <a:lstStyle>
-            <a:lvl1pPr>
-              <a:defRPr sz="2000"/>
-            </a:lvl1pPr>
-            <a:lvl2pPr>
-              <a:defRPr sz="1800"/>
-            </a:lvl2pPr>
-            <a:lvl3pPr>
-              <a:defRPr sz="1600"/>
-            </a:lvl3pPr>
-            <a:lvl4pPr>
-              <a:defRPr sz="1400"/>
-            </a:lvl4pPr>
-            <a:lvl5pPr>
-              <a:defRPr sz="1400"/>
-            </a:lvl5pPr>
-            <a:lvl6pPr>
-              <a:defRPr sz="1400"/>
-            </a:lvl6pPr>
-            <a:lvl7pPr>
-              <a:defRPr sz="1400"/>
-            </a:lvl7pPr>
-            <a:lvl8pPr>
-              <a:defRPr sz="1400"/>
-            </a:lvl8pPr>
-            <a:lvl9pPr>
-              <a:defRPr sz="1400"/>
-            </a:lvl9pPr>
-          </a:lstStyle>
+          <a:bodyPr>
+            <a:normAutofit/>
+          </a:bodyPr>
+          <a:lstStyle/>
           <a:p>
             <a:pPr lvl="0"/>
             <a:r>
@@ -1294,87 +3264,85 @@
         </p:nvSpPr>
         <p:spPr>
           <a:xfrm>
-            <a:off x="7818120" y="868680"/>
-            <a:ext cx="3474720" cy="5120640"/>
+            <a:off x="5808133" y="685801"/>
+            <a:ext cx="4934479" cy="3615266"/>
           </a:xfrm>
         </p:spPr>
         <p:txBody>
+          <a:bodyPr>
+            <a:normAutofit/>
+          </a:bodyPr>
+          <a:lstStyle/>
+          <a:p>
+            <a:pPr lvl="0"/>
+            <a:r>
+              <a:rPr lang="en-US"/>
+              <a:t>Edit Master text styles</a:t>
+            </a:r>
+          </a:p>
+          <a:p>
+            <a:pPr lvl="1"/>
+            <a:r>
+              <a:rPr lang="en-US"/>
+              <a:t>Second level</a:t>
+            </a:r>
+          </a:p>
+          <a:p>
+            <a:pPr lvl="2"/>
+            <a:r>
+              <a:rPr lang="en-US"/>
+              <a:t>Third level</a:t>
+            </a:r>
+          </a:p>
+          <a:p>
+            <a:pPr lvl="3"/>
+            <a:r>
+              <a:rPr lang="en-US"/>
+              <a:t>Fourth level</a:t>
+            </a:r>
+          </a:p>
+          <a:p>
+            <a:pPr lvl="4"/>
+            <a:r>
+              <a:rPr lang="en-US"/>
+              <a:t>Fifth level</a:t>
+            </a:r>
+            <a:endParaRPr lang="en-US" dirty="0"/>
+          </a:p>
+        </p:txBody>
+      </p:sp>
+      <p:sp>
+        <p:nvSpPr>
+          <p:cNvPr id="5" name="Date Placeholder 4"/>
+          <p:cNvSpPr>
+            <a:spLocks noGrp="1"/>
+          </p:cNvSpPr>
+          <p:nvPr>
+            <p:ph type="dt" sz="half" idx="10"/>
+          </p:nvPr>
+        </p:nvSpPr>
+        <p:spPr/>
+        <p:txBody>
           <a:bodyPr/>
-          <a:lstStyle>
-            <a:lvl1pPr>
-              <a:defRPr sz="2000"/>
-            </a:lvl1pPr>
-            <a:lvl2pPr>
-              <a:defRPr sz="1800"/>
-            </a:lvl2pPr>
-            <a:lvl3pPr>
-              <a:defRPr sz="1600"/>
-            </a:lvl3pPr>
-            <a:lvl4pPr>
-              <a:defRPr sz="1400"/>
-            </a:lvl4pPr>
-            <a:lvl5pPr>
-              <a:defRPr sz="1400"/>
-            </a:lvl5pPr>
-            <a:lvl6pPr>
-              <a:defRPr sz="1400"/>
-            </a:lvl6pPr>
-            <a:lvl7pPr>
-              <a:defRPr sz="1400"/>
-            </a:lvl7pPr>
-            <a:lvl8pPr>
-              <a:defRPr sz="1400"/>
-            </a:lvl8pPr>
-            <a:lvl9pPr>
-              <a:defRPr sz="1400"/>
-            </a:lvl9pPr>
-          </a:lstStyle>
-          <a:p>
-            <a:pPr lvl="0"/>
-            <a:r>
-              <a:rPr lang="en-US"/>
-              <a:t>Edit Master text styles</a:t>
-            </a:r>
-          </a:p>
-          <a:p>
-            <a:pPr lvl="1"/>
-            <a:r>
-              <a:rPr lang="en-US"/>
-              <a:t>Second level</a:t>
-            </a:r>
-          </a:p>
-          <a:p>
-            <a:pPr lvl="2"/>
-            <a:r>
-              <a:rPr lang="en-US"/>
-              <a:t>Third level</a:t>
-            </a:r>
-          </a:p>
-          <a:p>
-            <a:pPr lvl="3"/>
-            <a:r>
-              <a:rPr lang="en-US"/>
-              <a:t>Fourth level</a:t>
-            </a:r>
-          </a:p>
-          <a:p>
-            <a:pPr lvl="4"/>
-            <a:r>
-              <a:rPr lang="en-US"/>
-              <a:t>Fifth level</a:t>
-            </a:r>
-            <a:endParaRPr lang="en-US" dirty="0"/>
-          </a:p>
-        </p:txBody>
-      </p:sp>
-      <p:sp>
-        <p:nvSpPr>
-          <p:cNvPr id="8" name="Date Placeholder 7"/>
-          <p:cNvSpPr>
-            <a:spLocks noGrp="1"/>
-          </p:cNvSpPr>
-          <p:nvPr>
-            <p:ph type="dt" sz="half" idx="10"/>
+          <a:lstStyle/>
+          <a:p>
+            <a:fld id="{5586B75A-687E-405C-8A0B-8D00578BA2C3}" type="datetimeFigureOut">
+              <a:rPr lang="en-US" smtClean="0"/>
+              <a:pPr/>
+              <a:t>9/29/2017</a:t>
+            </a:fld>
+            <a:endParaRPr lang="en-US" dirty="0"/>
+          </a:p>
+        </p:txBody>
+      </p:sp>
+      <p:sp>
+        <p:nvSpPr>
+          <p:cNvPr id="6" name="Footer Placeholder 5"/>
+          <p:cNvSpPr>
+            <a:spLocks noGrp="1"/>
+          </p:cNvSpPr>
+          <p:nvPr>
+            <p:ph type="ftr" sz="quarter" idx="11"/>
           </p:nvPr>
         </p:nvSpPr>
         <p:spPr/>
@@ -1382,23 +3350,18 @@
           <a:bodyPr/>
           <a:lstStyle/>
           <a:p>
-            <a:fld id="{5586B75A-687E-405C-8A0B-8D00578BA2C3}" type="datetimeFigureOut">
-              <a:rPr lang="en-US" dirty="0"/>
-              <a:pPr/>
-              <a:t>9/28/2017</a:t>
-            </a:fld>
-            <a:endParaRPr lang="en-US" dirty="0"/>
-          </a:p>
-        </p:txBody>
-      </p:sp>
-      <p:sp>
-        <p:nvSpPr>
-          <p:cNvPr id="9" name="Footer Placeholder 8"/>
-          <p:cNvSpPr>
-            <a:spLocks noGrp="1"/>
-          </p:cNvSpPr>
-          <p:nvPr>
-            <p:ph type="ftr" sz="quarter" idx="11"/>
+            <a:endParaRPr lang="en-US" dirty="0"/>
+          </a:p>
+        </p:txBody>
+      </p:sp>
+      <p:sp>
+        <p:nvSpPr>
+          <p:cNvPr id="7" name="Slide Number Placeholder 6"/>
+          <p:cNvSpPr>
+            <a:spLocks noGrp="1"/>
+          </p:cNvSpPr>
+          <p:nvPr>
+            <p:ph type="sldNum" sz="quarter" idx="12"/>
           </p:nvPr>
         </p:nvSpPr>
         <p:spPr/>
@@ -1406,27 +3369,8 @@
           <a:bodyPr/>
           <a:lstStyle/>
           <a:p>
-            <a:endParaRPr lang="en-US" dirty="0"/>
-          </a:p>
-        </p:txBody>
-      </p:sp>
-      <p:sp>
-        <p:nvSpPr>
-          <p:cNvPr id="10" name="Slide Number Placeholder 9"/>
-          <p:cNvSpPr>
-            <a:spLocks noGrp="1"/>
-          </p:cNvSpPr>
-          <p:nvPr>
-            <p:ph type="sldNum" sz="quarter" idx="12"/>
-          </p:nvPr>
-        </p:nvSpPr>
-        <p:spPr/>
-        <p:txBody>
-          <a:bodyPr/>
-          <a:lstStyle/>
-          <a:p>
             <a:fld id="{4FAB73BC-B049-4115-A692-8D63A059BFB8}" type="slidenum">
-              <a:rPr lang="en-US" dirty="0"/>
+              <a:rPr lang="en-US" smtClean="0"/>
               <a:pPr/>
               <a:t>‹#›</a:t>
             </a:fld>
@@ -1435,6 +3379,11 @@
         </p:txBody>
       </p:sp>
     </p:spTree>
+    <p:extLst>
+      <p:ext uri="{BB962C8B-B14F-4D97-AF65-F5344CB8AC3E}">
+        <p14:creationId xmlns:p14="http://schemas.microsoft.com/office/powerpoint/2010/main" val="2926871893"/>
+      </p:ext>
+    </p:extLst>
   </p:cSld>
   <p:clrMapOvr>
     <a:masterClrMapping/>
@@ -1461,7 +3410,7 @@
       </p:grpSpPr>
       <p:sp>
         <p:nvSpPr>
-          <p:cNvPr id="10" name="Title 9"/>
+          <p:cNvPr id="2" name="Title 1"/>
           <p:cNvSpPr>
             <a:spLocks noGrp="1"/>
           </p:cNvSpPr>
@@ -1472,7 +3421,11 @@
         <p:spPr/>
         <p:txBody>
           <a:bodyPr/>
-          <a:lstStyle/>
+          <a:lstStyle>
+            <a:lvl1pPr>
+              <a:defRPr/>
+            </a:lvl1pPr>
+          </a:lstStyle>
           <a:p>
             <a:r>
               <a:rPr lang="en-US"/>
@@ -1494,26 +3447,20 @@
         </p:nvSpPr>
         <p:spPr>
           <a:xfrm>
-            <a:off x="3867912" y="1023586"/>
-            <a:ext cx="3474720" cy="807720"/>
+            <a:off x="972080" y="685800"/>
+            <a:ext cx="4649787" cy="576262"/>
           </a:xfrm>
         </p:spPr>
         <p:txBody>
           <a:bodyPr anchor="b">
-            <a:normAutofit/>
+            <a:noAutofit/>
           </a:bodyPr>
           <a:lstStyle>
             <a:lvl1pPr marL="0" indent="0">
-              <a:spcBef>
-                <a:spcPts val="0"/>
-              </a:spcBef>
-              <a:buNone/>
-              <a:defRPr sz="2000" b="1">
-                <a:solidFill>
-                  <a:schemeClr val="tx1">
-                    <a:lumMod val="65000"/>
-                    <a:lumOff val="35000"/>
-                  </a:schemeClr>
+              <a:buNone/>
+              <a:defRPr sz="2800" b="0">
+                <a:solidFill>
+                  <a:schemeClr val="tx1"/>
                 </a:solidFill>
               </a:defRPr>
             </a:lvl1pPr>
@@ -1571,41 +3518,15 @@
         </p:nvSpPr>
         <p:spPr>
           <a:xfrm>
-            <a:off x="3867912" y="1930936"/>
-            <a:ext cx="3474720" cy="4023360"/>
+            <a:off x="684211" y="1270529"/>
+            <a:ext cx="4937655" cy="3030538"/>
           </a:xfrm>
         </p:spPr>
         <p:txBody>
-          <a:bodyPr/>
-          <a:lstStyle>
-            <a:lvl1pPr>
-              <a:defRPr sz="2000"/>
-            </a:lvl1pPr>
-            <a:lvl2pPr>
-              <a:defRPr sz="1800"/>
-            </a:lvl2pPr>
-            <a:lvl3pPr>
-              <a:defRPr sz="1600"/>
-            </a:lvl3pPr>
-            <a:lvl4pPr>
-              <a:defRPr sz="1400"/>
-            </a:lvl4pPr>
-            <a:lvl5pPr>
-              <a:defRPr sz="1400"/>
-            </a:lvl5pPr>
-            <a:lvl6pPr>
-              <a:defRPr sz="1400"/>
-            </a:lvl6pPr>
-            <a:lvl7pPr>
-              <a:defRPr sz="1400"/>
-            </a:lvl7pPr>
-            <a:lvl8pPr>
-              <a:defRPr sz="1400"/>
-            </a:lvl8pPr>
-            <a:lvl9pPr>
-              <a:defRPr sz="1400"/>
-            </a:lvl9pPr>
-          </a:lstStyle>
+          <a:bodyPr anchor="t">
+            <a:normAutofit/>
+          </a:bodyPr>
+          <a:lstStyle/>
           <a:p>
             <a:pPr lvl="0"/>
             <a:r>
@@ -1656,26 +3577,20 @@
         </p:nvSpPr>
         <p:spPr>
           <a:xfrm>
-            <a:off x="7818463" y="1023586"/>
-            <a:ext cx="3474720" cy="813171"/>
+            <a:off x="6079066" y="685800"/>
+            <a:ext cx="4665134" cy="576262"/>
           </a:xfrm>
         </p:spPr>
         <p:txBody>
           <a:bodyPr anchor="b">
-            <a:normAutofit/>
+            <a:noAutofit/>
           </a:bodyPr>
           <a:lstStyle>
             <a:lvl1pPr marL="0" indent="0">
-              <a:spcBef>
-                <a:spcPts val="0"/>
-              </a:spcBef>
-              <a:buNone/>
-              <a:defRPr sz="2000" b="1">
-                <a:solidFill>
-                  <a:schemeClr val="tx1">
-                    <a:lumMod val="65000"/>
-                    <a:lumOff val="35000"/>
-                  </a:schemeClr>
+              <a:buNone/>
+              <a:defRPr sz="2800" b="0">
+                <a:solidFill>
+                  <a:schemeClr val="tx1"/>
                 </a:solidFill>
               </a:defRPr>
             </a:lvl1pPr>
@@ -1733,87 +3648,85 @@
         </p:nvSpPr>
         <p:spPr>
           <a:xfrm>
-            <a:off x="7818463" y="1930936"/>
-            <a:ext cx="3474720" cy="4023360"/>
+            <a:off x="5806545" y="1262062"/>
+            <a:ext cx="4929188" cy="3030538"/>
           </a:xfrm>
         </p:spPr>
         <p:txBody>
+          <a:bodyPr anchor="t">
+            <a:normAutofit/>
+          </a:bodyPr>
+          <a:lstStyle/>
+          <a:p>
+            <a:pPr lvl="0"/>
+            <a:r>
+              <a:rPr lang="en-US"/>
+              <a:t>Edit Master text styles</a:t>
+            </a:r>
+          </a:p>
+          <a:p>
+            <a:pPr lvl="1"/>
+            <a:r>
+              <a:rPr lang="en-US"/>
+              <a:t>Second level</a:t>
+            </a:r>
+          </a:p>
+          <a:p>
+            <a:pPr lvl="2"/>
+            <a:r>
+              <a:rPr lang="en-US"/>
+              <a:t>Third level</a:t>
+            </a:r>
+          </a:p>
+          <a:p>
+            <a:pPr lvl="3"/>
+            <a:r>
+              <a:rPr lang="en-US"/>
+              <a:t>Fourth level</a:t>
+            </a:r>
+          </a:p>
+          <a:p>
+            <a:pPr lvl="4"/>
+            <a:r>
+              <a:rPr lang="en-US"/>
+              <a:t>Fifth level</a:t>
+            </a:r>
+            <a:endParaRPr lang="en-US" dirty="0"/>
+          </a:p>
+        </p:txBody>
+      </p:sp>
+      <p:sp>
+        <p:nvSpPr>
+          <p:cNvPr id="7" name="Date Placeholder 6"/>
+          <p:cNvSpPr>
+            <a:spLocks noGrp="1"/>
+          </p:cNvSpPr>
+          <p:nvPr>
+            <p:ph type="dt" sz="half" idx="10"/>
+          </p:nvPr>
+        </p:nvSpPr>
+        <p:spPr/>
+        <p:txBody>
           <a:bodyPr/>
-          <a:lstStyle>
-            <a:lvl1pPr>
-              <a:defRPr sz="2000"/>
-            </a:lvl1pPr>
-            <a:lvl2pPr>
-              <a:defRPr sz="1800"/>
-            </a:lvl2pPr>
-            <a:lvl3pPr>
-              <a:defRPr sz="1600"/>
-            </a:lvl3pPr>
-            <a:lvl4pPr>
-              <a:defRPr sz="1400"/>
-            </a:lvl4pPr>
-            <a:lvl5pPr>
-              <a:defRPr sz="1400"/>
-            </a:lvl5pPr>
-            <a:lvl6pPr>
-              <a:defRPr sz="1400"/>
-            </a:lvl6pPr>
-            <a:lvl7pPr>
-              <a:defRPr sz="1400"/>
-            </a:lvl7pPr>
-            <a:lvl8pPr>
-              <a:defRPr sz="1400"/>
-            </a:lvl8pPr>
-            <a:lvl9pPr>
-              <a:defRPr sz="1400"/>
-            </a:lvl9pPr>
-          </a:lstStyle>
-          <a:p>
-            <a:pPr lvl="0"/>
-            <a:r>
-              <a:rPr lang="en-US"/>
-              <a:t>Edit Master text styles</a:t>
-            </a:r>
-          </a:p>
-          <a:p>
-            <a:pPr lvl="1"/>
-            <a:r>
-              <a:rPr lang="en-US"/>
-              <a:t>Second level</a:t>
-            </a:r>
-          </a:p>
-          <a:p>
-            <a:pPr lvl="2"/>
-            <a:r>
-              <a:rPr lang="en-US"/>
-              <a:t>Third level</a:t>
-            </a:r>
-          </a:p>
-          <a:p>
-            <a:pPr lvl="3"/>
-            <a:r>
-              <a:rPr lang="en-US"/>
-              <a:t>Fourth level</a:t>
-            </a:r>
-          </a:p>
-          <a:p>
-            <a:pPr lvl="4"/>
-            <a:r>
-              <a:rPr lang="en-US"/>
-              <a:t>Fifth level</a:t>
-            </a:r>
-            <a:endParaRPr lang="en-US" dirty="0"/>
-          </a:p>
-        </p:txBody>
-      </p:sp>
-      <p:sp>
-        <p:nvSpPr>
-          <p:cNvPr id="2" name="Date Placeholder 1"/>
-          <p:cNvSpPr>
-            <a:spLocks noGrp="1"/>
-          </p:cNvSpPr>
-          <p:nvPr>
-            <p:ph type="dt" sz="half" idx="10"/>
+          <a:lstStyle/>
+          <a:p>
+            <a:fld id="{5586B75A-687E-405C-8A0B-8D00578BA2C3}" type="datetimeFigureOut">
+              <a:rPr lang="en-US" smtClean="0"/>
+              <a:pPr/>
+              <a:t>9/29/2017</a:t>
+            </a:fld>
+            <a:endParaRPr lang="en-US" dirty="0"/>
+          </a:p>
+        </p:txBody>
+      </p:sp>
+      <p:sp>
+        <p:nvSpPr>
+          <p:cNvPr id="8" name="Footer Placeholder 7"/>
+          <p:cNvSpPr>
+            <a:spLocks noGrp="1"/>
+          </p:cNvSpPr>
+          <p:nvPr>
+            <p:ph type="ftr" sz="quarter" idx="11"/>
           </p:nvPr>
         </p:nvSpPr>
         <p:spPr/>
@@ -1821,23 +3734,18 @@
           <a:bodyPr/>
           <a:lstStyle/>
           <a:p>
-            <a:fld id="{5586B75A-687E-405C-8A0B-8D00578BA2C3}" type="datetimeFigureOut">
-              <a:rPr lang="en-US" dirty="0"/>
-              <a:pPr/>
-              <a:t>9/28/2017</a:t>
-            </a:fld>
-            <a:endParaRPr lang="en-US" dirty="0"/>
-          </a:p>
-        </p:txBody>
-      </p:sp>
-      <p:sp>
-        <p:nvSpPr>
-          <p:cNvPr id="11" name="Footer Placeholder 10"/>
-          <p:cNvSpPr>
-            <a:spLocks noGrp="1"/>
-          </p:cNvSpPr>
-          <p:nvPr>
-            <p:ph type="ftr" sz="quarter" idx="11"/>
+            <a:endParaRPr lang="en-US" dirty="0"/>
+          </a:p>
+        </p:txBody>
+      </p:sp>
+      <p:sp>
+        <p:nvSpPr>
+          <p:cNvPr id="9" name="Slide Number Placeholder 8"/>
+          <p:cNvSpPr>
+            <a:spLocks noGrp="1"/>
+          </p:cNvSpPr>
+          <p:nvPr>
+            <p:ph type="sldNum" sz="quarter" idx="12"/>
           </p:nvPr>
         </p:nvSpPr>
         <p:spPr/>
@@ -1845,27 +3753,8 @@
           <a:bodyPr/>
           <a:lstStyle/>
           <a:p>
-            <a:endParaRPr lang="en-US" dirty="0"/>
-          </a:p>
-        </p:txBody>
-      </p:sp>
-      <p:sp>
-        <p:nvSpPr>
-          <p:cNvPr id="12" name="Slide Number Placeholder 11"/>
-          <p:cNvSpPr>
-            <a:spLocks noGrp="1"/>
-          </p:cNvSpPr>
-          <p:nvPr>
-            <p:ph type="sldNum" sz="quarter" idx="12"/>
-          </p:nvPr>
-        </p:nvSpPr>
-        <p:spPr/>
-        <p:txBody>
-          <a:bodyPr/>
-          <a:lstStyle/>
-          <a:p>
             <a:fld id="{4FAB73BC-B049-4115-A692-8D63A059BFB8}" type="slidenum">
-              <a:rPr lang="en-US" dirty="0"/>
+              <a:rPr lang="en-US" smtClean="0"/>
               <a:pPr/>
               <a:t>‹#›</a:t>
             </a:fld>
@@ -1874,6 +3763,11 @@
         </p:txBody>
       </p:sp>
     </p:spTree>
+    <p:extLst>
+      <p:ext uri="{BB962C8B-B14F-4D97-AF65-F5344CB8AC3E}">
+        <p14:creationId xmlns:p14="http://schemas.microsoft.com/office/powerpoint/2010/main" val="1248766264"/>
+      </p:ext>
+    </p:extLst>
   </p:cSld>
   <p:clrMapOvr>
     <a:masterClrMapping/>
@@ -1900,7 +3794,7 @@
       </p:grpSpPr>
       <p:sp>
         <p:nvSpPr>
-          <p:cNvPr id="6" name="Title 5"/>
+          <p:cNvPr id="2" name="Title 1"/>
           <p:cNvSpPr>
             <a:spLocks noGrp="1"/>
           </p:cNvSpPr>
@@ -1923,7 +3817,7 @@
       </p:sp>
       <p:sp>
         <p:nvSpPr>
-          <p:cNvPr id="2" name="Date Placeholder 1"/>
+          <p:cNvPr id="3" name="Date Placeholder 2"/>
           <p:cNvSpPr>
             <a:spLocks noGrp="1"/>
           </p:cNvSpPr>
@@ -1937,9 +3831,9 @@
           <a:lstStyle/>
           <a:p>
             <a:fld id="{5586B75A-687E-405C-8A0B-8D00578BA2C3}" type="datetimeFigureOut">
-              <a:rPr lang="en-US" dirty="0"/>
+              <a:rPr lang="en-US" smtClean="0"/>
               <a:pPr/>
-              <a:t>9/28/2017</a:t>
+              <a:t>9/29/2017</a:t>
             </a:fld>
             <a:endParaRPr lang="en-US" dirty="0"/>
           </a:p>
@@ -1947,7 +3841,7 @@
       </p:sp>
       <p:sp>
         <p:nvSpPr>
-          <p:cNvPr id="7" name="Footer Placeholder 6"/>
+          <p:cNvPr id="4" name="Footer Placeholder 3"/>
           <p:cNvSpPr>
             <a:spLocks noGrp="1"/>
           </p:cNvSpPr>
@@ -1966,7 +3860,7 @@
       </p:sp>
       <p:sp>
         <p:nvSpPr>
-          <p:cNvPr id="8" name="Slide Number Placeholder 7"/>
+          <p:cNvPr id="5" name="Slide Number Placeholder 4"/>
           <p:cNvSpPr>
             <a:spLocks noGrp="1"/>
           </p:cNvSpPr>
@@ -1980,7 +3874,7 @@
           <a:lstStyle/>
           <a:p>
             <a:fld id="{4FAB73BC-B049-4115-A692-8D63A059BFB8}" type="slidenum">
-              <a:rPr lang="en-US" dirty="0"/>
+              <a:rPr lang="en-US" smtClean="0"/>
               <a:pPr/>
               <a:t>‹#›</a:t>
             </a:fld>
@@ -1989,6 +3883,11 @@
         </p:txBody>
       </p:sp>
     </p:spTree>
+    <p:extLst>
+      <p:ext uri="{BB962C8B-B14F-4D97-AF65-F5344CB8AC3E}">
+        <p14:creationId xmlns:p14="http://schemas.microsoft.com/office/powerpoint/2010/main" val="3115338697"/>
+      </p:ext>
+    </p:extLst>
   </p:cSld>
   <p:clrMapOvr>
     <a:masterClrMapping/>
@@ -1997,7 +3896,7 @@
 </file>
 
 <file path=ppt/slideLayouts/slideLayout7.xml><?xml version="1.0" encoding="utf-8"?>
-<p:sldLayout xmlns:a="http://schemas.openxmlformats.org/drawingml/2006/main" xmlns:r="http://schemas.openxmlformats.org/officeDocument/2006/relationships" xmlns:p="http://schemas.openxmlformats.org/presentationml/2006/main" showMasterSp="0" type="blank" preserve="1">
+<p:sldLayout xmlns:a="http://schemas.openxmlformats.org/drawingml/2006/main" xmlns:r="http://schemas.openxmlformats.org/officeDocument/2006/relationships" xmlns:p="http://schemas.openxmlformats.org/presentationml/2006/main" type="blank" preserve="1">
   <p:cSld name="Blank">
     <p:spTree>
       <p:nvGrpSpPr>
@@ -2015,7 +3914,7 @@
       </p:grpSpPr>
       <p:sp>
         <p:nvSpPr>
-          <p:cNvPr id="5" name="Date Placeholder 4"/>
+          <p:cNvPr id="2" name="Date Placeholder 1"/>
           <p:cNvSpPr>
             <a:spLocks noGrp="1"/>
           </p:cNvSpPr>
@@ -2029,9 +3928,9 @@
           <a:lstStyle/>
           <a:p>
             <a:fld id="{5586B75A-687E-405C-8A0B-8D00578BA2C3}" type="datetimeFigureOut">
-              <a:rPr lang="en-US" dirty="0"/>
+              <a:rPr lang="en-US" smtClean="0"/>
               <a:pPr/>
-              <a:t>9/28/2017</a:t>
+              <a:t>9/29/2017</a:t>
             </a:fld>
             <a:endParaRPr lang="en-US" dirty="0"/>
           </a:p>
@@ -2039,7 +3938,7 @@
       </p:sp>
       <p:sp>
         <p:nvSpPr>
-          <p:cNvPr id="6" name="Footer Placeholder 5"/>
+          <p:cNvPr id="3" name="Footer Placeholder 2"/>
           <p:cNvSpPr>
             <a:spLocks noGrp="1"/>
           </p:cNvSpPr>
@@ -2058,7 +3957,7 @@
       </p:sp>
       <p:sp>
         <p:nvSpPr>
-          <p:cNvPr id="7" name="Slide Number Placeholder 6"/>
+          <p:cNvPr id="4" name="Slide Number Placeholder 3"/>
           <p:cNvSpPr>
             <a:spLocks noGrp="1"/>
           </p:cNvSpPr>
@@ -2072,7 +3971,7 @@
           <a:lstStyle/>
           <a:p>
             <a:fld id="{4FAB73BC-B049-4115-A692-8D63A059BFB8}" type="slidenum">
-              <a:rPr lang="en-US" dirty="0"/>
+              <a:rPr lang="en-US" smtClean="0"/>
               <a:pPr/>
               <a:t>‹#›</a:t>
             </a:fld>
@@ -2081,6 +3980,11 @@
         </p:txBody>
       </p:sp>
     </p:spTree>
+    <p:extLst>
+      <p:ext uri="{BB962C8B-B14F-4D97-AF65-F5344CB8AC3E}">
+        <p14:creationId xmlns:p14="http://schemas.microsoft.com/office/powerpoint/2010/main" val="1924633983"/>
+      </p:ext>
+    </p:extLst>
   </p:cSld>
   <p:clrMapOvr>
     <a:masterClrMapping/>
@@ -2117,8 +4021,8 @@
         </p:nvSpPr>
         <p:spPr>
           <a:xfrm>
-            <a:off x="256032" y="1143000"/>
-            <a:ext cx="2834640" cy="2377440"/>
+            <a:off x="7085012" y="685800"/>
+            <a:ext cx="3657600" cy="1371600"/>
           </a:xfrm>
         </p:spPr>
         <p:txBody>
@@ -2126,8 +4030,8 @@
             <a:normAutofit/>
           </a:bodyPr>
           <a:lstStyle>
-            <a:lvl1pPr>
-              <a:defRPr sz="3200" b="0" baseline="0"/>
+            <a:lvl1pPr algn="l">
+              <a:defRPr sz="2400" b="0"/>
             </a:lvl1pPr>
           </a:lstStyle>
           <a:p>
@@ -2151,41 +4055,15 @@
         </p:nvSpPr>
         <p:spPr>
           <a:xfrm>
-            <a:off x="3867912" y="868680"/>
-            <a:ext cx="7315200" cy="5120640"/>
+            <a:off x="684212" y="685800"/>
+            <a:ext cx="5943601" cy="5308600"/>
           </a:xfrm>
         </p:spPr>
         <p:txBody>
-          <a:bodyPr/>
-          <a:lstStyle>
-            <a:lvl1pPr>
-              <a:defRPr sz="2000"/>
-            </a:lvl1pPr>
-            <a:lvl2pPr>
-              <a:defRPr sz="1800"/>
-            </a:lvl2pPr>
-            <a:lvl3pPr>
-              <a:defRPr sz="1600"/>
-            </a:lvl3pPr>
-            <a:lvl4pPr>
-              <a:defRPr sz="1400"/>
-            </a:lvl4pPr>
-            <a:lvl5pPr>
-              <a:defRPr sz="1400"/>
-            </a:lvl5pPr>
-            <a:lvl6pPr>
-              <a:defRPr sz="1400"/>
-            </a:lvl6pPr>
-            <a:lvl7pPr>
-              <a:defRPr sz="1400"/>
-            </a:lvl7pPr>
-            <a:lvl8pPr>
-              <a:defRPr sz="1400"/>
-            </a:lvl8pPr>
-            <a:lvl9pPr>
-              <a:defRPr sz="1400"/>
-            </a:lvl9pPr>
-          </a:lstStyle>
+          <a:bodyPr anchor="ctr">
+            <a:normAutofit/>
+          </a:bodyPr>
+          <a:lstStyle/>
           <a:p>
             <a:pPr lvl="0"/>
             <a:r>
@@ -2236,8 +4114,8 @@
         </p:nvSpPr>
         <p:spPr>
           <a:xfrm>
-            <a:off x="256032" y="3494176"/>
-            <a:ext cx="2834640" cy="2321990"/>
+            <a:off x="7085012" y="2209799"/>
+            <a:ext cx="3657600" cy="2091267"/>
           </a:xfrm>
         </p:spPr>
         <p:txBody>
@@ -2246,15 +4124,8 @@
           </a:bodyPr>
           <a:lstStyle>
             <a:lvl1pPr marL="0" indent="0">
-              <a:lnSpc>
-                <a:spcPct val="100000"/>
-              </a:lnSpc>
-              <a:buNone/>
-              <a:defRPr sz="1400">
-                <a:solidFill>
-                  <a:srgbClr val="FFFFFF"/>
-                </a:solidFill>
-              </a:defRPr>
+              <a:buNone/>
+              <a:defRPr sz="1600"/>
             </a:lvl1pPr>
             <a:lvl2pPr marL="457200" indent="0">
               <a:buNone/>
@@ -2300,7 +4171,7 @@
       </p:sp>
       <p:sp>
         <p:nvSpPr>
-          <p:cNvPr id="8" name="Date Placeholder 7"/>
+          <p:cNvPr id="5" name="Date Placeholder 4"/>
           <p:cNvSpPr>
             <a:spLocks noGrp="1"/>
           </p:cNvSpPr>
@@ -2314,9 +4185,9 @@
           <a:lstStyle/>
           <a:p>
             <a:fld id="{5586B75A-687E-405C-8A0B-8D00578BA2C3}" type="datetimeFigureOut">
-              <a:rPr lang="en-US" dirty="0"/>
+              <a:rPr lang="en-US" smtClean="0"/>
               <a:pPr/>
-              <a:t>9/28/2017</a:t>
+              <a:t>9/29/2017</a:t>
             </a:fld>
             <a:endParaRPr lang="en-US" dirty="0"/>
           </a:p>
@@ -2324,7 +4195,7 @@
       </p:sp>
       <p:sp>
         <p:nvSpPr>
-          <p:cNvPr id="9" name="Footer Placeholder 8"/>
+          <p:cNvPr id="6" name="Footer Placeholder 5"/>
           <p:cNvSpPr>
             <a:spLocks noGrp="1"/>
           </p:cNvSpPr>
@@ -2343,7 +4214,7 @@
       </p:sp>
       <p:sp>
         <p:nvSpPr>
-          <p:cNvPr id="10" name="Slide Number Placeholder 9"/>
+          <p:cNvPr id="7" name="Slide Number Placeholder 6"/>
           <p:cNvSpPr>
             <a:spLocks noGrp="1"/>
           </p:cNvSpPr>
@@ -2357,7 +4228,7 @@
           <a:lstStyle/>
           <a:p>
             <a:fld id="{4FAB73BC-B049-4115-A692-8D63A059BFB8}" type="slidenum">
-              <a:rPr lang="en-US" dirty="0"/>
+              <a:rPr lang="en-US" smtClean="0"/>
               <a:pPr/>
               <a:t>‹#›</a:t>
             </a:fld>
@@ -2366,6 +4237,11 @@
         </p:txBody>
       </p:sp>
     </p:spTree>
+    <p:extLst>
+      <p:ext uri="{BB962C8B-B14F-4D97-AF65-F5344CB8AC3E}">
+        <p14:creationId xmlns:p14="http://schemas.microsoft.com/office/powerpoint/2010/main" val="4151725278"/>
+      </p:ext>
+    </p:extLst>
   </p:cSld>
   <p:clrMapOvr>
     <a:masterClrMapping/>
@@ -2402,8 +4278,8 @@
         </p:nvSpPr>
         <p:spPr>
           <a:xfrm>
-            <a:off x="256032" y="1143000"/>
-            <a:ext cx="2834640" cy="2377440"/>
+            <a:off x="4722812" y="1447800"/>
+            <a:ext cx="6019800" cy="1143000"/>
           </a:xfrm>
         </p:spPr>
         <p:txBody>
@@ -2411,8 +4287,8 @@
             <a:normAutofit/>
           </a:bodyPr>
           <a:lstStyle>
-            <a:lvl1pPr>
-              <a:defRPr sz="3200" b="0"/>
+            <a:lvl1pPr algn="l">
+              <a:defRPr sz="2800" b="0"/>
             </a:lvl1pPr>
           </a:lstStyle>
           <a:p>
@@ -2426,7 +4302,7 @@
       </p:sp>
       <p:sp>
         <p:nvSpPr>
-          <p:cNvPr id="3" name="Picture Placeholder 2"/>
+          <p:cNvPr id="14" name="Picture Placeholder 2"/>
           <p:cNvSpPr>
             <a:spLocks noGrp="1" noChangeAspect="1"/>
           </p:cNvSpPr>
@@ -2436,53 +4312,70 @@
         </p:nvSpPr>
         <p:spPr>
           <a:xfrm>
-            <a:off x="3570644" y="767419"/>
-            <a:ext cx="8115230" cy="5330952"/>
+            <a:off x="989012" y="914400"/>
+            <a:ext cx="3280974" cy="4572000"/>
           </a:xfrm>
-          <a:solidFill>
-            <a:schemeClr val="bg1">
-              <a:lumMod val="75000"/>
-            </a:schemeClr>
-          </a:solidFill>
+          <a:prstGeom prst="snip2DiagRect">
+            <a:avLst>
+              <a:gd name="adj1" fmla="val 10815"/>
+              <a:gd name="adj2" fmla="val 0"/>
+            </a:avLst>
+          </a:prstGeom>
+          <a:ln w="15875">
+            <a:solidFill>
+              <a:schemeClr val="tx1">
+                <a:alpha val="40000"/>
+              </a:schemeClr>
+            </a:solidFill>
+          </a:ln>
+          <a:effectLst>
+            <a:innerShdw blurRad="57150" dist="38100" dir="14460000">
+              <a:srgbClr val="000000">
+                <a:alpha val="70000"/>
+              </a:srgbClr>
+            </a:innerShdw>
+          </a:effectLst>
         </p:spPr>
         <p:txBody>
-          <a:bodyPr anchor="t"/>
+          <a:bodyPr anchor="t">
+            <a:normAutofit/>
+          </a:bodyPr>
           <a:lstStyle>
-            <a:lvl1pPr marL="0" indent="0">
-              <a:buNone/>
-              <a:defRPr sz="3200"/>
+            <a:lvl1pPr marL="0" indent="0" algn="ctr">
+              <a:buNone/>
+              <a:defRPr sz="1600"/>
             </a:lvl1pPr>
             <a:lvl2pPr marL="457200" indent="0">
               <a:buNone/>
-              <a:defRPr sz="2800"/>
+              <a:defRPr sz="1600"/>
             </a:lvl2pPr>
             <a:lvl3pPr marL="914400" indent="0">
               <a:buNone/>
-              <a:defRPr sz="2400"/>
+              <a:defRPr sz="1600"/>
             </a:lvl3pPr>
             <a:lvl4pPr marL="1371600" indent="0">
               <a:buNone/>
-              <a:defRPr sz="2000"/>
+              <a:defRPr sz="1600"/>
             </a:lvl4pPr>
             <a:lvl5pPr marL="1828800" indent="0">
               <a:buNone/>
-              <a:defRPr sz="2000"/>
+              <a:defRPr sz="1600"/>
             </a:lvl5pPr>
             <a:lvl6pPr marL="2286000" indent="0">
               <a:buNone/>
-              <a:defRPr sz="2000"/>
+              <a:defRPr sz="1600"/>
             </a:lvl6pPr>
             <a:lvl7pPr marL="2743200" indent="0">
               <a:buNone/>
-              <a:defRPr sz="2000"/>
+              <a:defRPr sz="1600"/>
             </a:lvl7pPr>
             <a:lvl8pPr marL="3200400" indent="0">
               <a:buNone/>
-              <a:defRPr sz="2000"/>
+              <a:defRPr sz="1600"/>
             </a:lvl8pPr>
             <a:lvl9pPr marL="3657600" indent="0">
               <a:buNone/>
-              <a:defRPr sz="2000"/>
+              <a:defRPr sz="1600"/>
             </a:lvl9pPr>
           </a:lstStyle>
           <a:p>
@@ -2506,8 +4399,8 @@
         </p:nvSpPr>
         <p:spPr>
           <a:xfrm>
-            <a:off x="256032" y="3493008"/>
-            <a:ext cx="2834640" cy="2322576"/>
+            <a:off x="4722812" y="2777066"/>
+            <a:ext cx="6021388" cy="2048933"/>
           </a:xfrm>
         </p:spPr>
         <p:txBody>
@@ -2516,15 +4409,8 @@
           </a:bodyPr>
           <a:lstStyle>
             <a:lvl1pPr marL="0" indent="0">
-              <a:lnSpc>
-                <a:spcPct val="100000"/>
-              </a:lnSpc>
-              <a:buNone/>
-              <a:defRPr sz="1400">
-                <a:solidFill>
-                  <a:srgbClr val="FFFFFF"/>
-                </a:solidFill>
-              </a:defRPr>
+              <a:buNone/>
+              <a:defRPr sz="1800"/>
             </a:lvl1pPr>
             <a:lvl2pPr marL="457200" indent="0">
               <a:buNone/>
@@ -2570,7 +4456,7 @@
       </p:sp>
       <p:sp>
         <p:nvSpPr>
-          <p:cNvPr id="8" name="Date Placeholder 7"/>
+          <p:cNvPr id="5" name="Date Placeholder 4"/>
           <p:cNvSpPr>
             <a:spLocks noGrp="1"/>
           </p:cNvSpPr>
@@ -2584,9 +4470,9 @@
           <a:lstStyle/>
           <a:p>
             <a:fld id="{5586B75A-687E-405C-8A0B-8D00578BA2C3}" type="datetimeFigureOut">
-              <a:rPr lang="en-US" dirty="0"/>
+              <a:rPr lang="en-US" smtClean="0"/>
               <a:pPr/>
-              <a:t>9/28/2017</a:t>
+              <a:t>9/29/2017</a:t>
             </a:fld>
             <a:endParaRPr lang="en-US" dirty="0"/>
           </a:p>
@@ -2594,7 +4480,7 @@
       </p:sp>
       <p:sp>
         <p:nvSpPr>
-          <p:cNvPr id="9" name="Footer Placeholder 8"/>
+          <p:cNvPr id="6" name="Footer Placeholder 5"/>
           <p:cNvSpPr>
             <a:spLocks noGrp="1"/>
           </p:cNvSpPr>
@@ -2602,12 +4488,7 @@
             <p:ph type="ftr" sz="quarter" idx="11"/>
           </p:nvPr>
         </p:nvSpPr>
-        <p:spPr>
-          <a:xfrm>
-            <a:off x="3499101" y="6356350"/>
-            <a:ext cx="5911517" cy="365125"/>
-          </a:xfrm>
-        </p:spPr>
+        <p:spPr/>
         <p:txBody>
           <a:bodyPr/>
           <a:lstStyle/>
@@ -2618,7 +4499,7 @@
       </p:sp>
       <p:sp>
         <p:nvSpPr>
-          <p:cNvPr id="10" name="Slide Number Placeholder 9"/>
+          <p:cNvPr id="7" name="Slide Number Placeholder 6"/>
           <p:cNvSpPr>
             <a:spLocks noGrp="1"/>
           </p:cNvSpPr>
@@ -2632,7 +4513,7 @@
           <a:lstStyle/>
           <a:p>
             <a:fld id="{4FAB73BC-B049-4115-A692-8D63A059BFB8}" type="slidenum">
-              <a:rPr lang="en-US" dirty="0"/>
+              <a:rPr lang="en-US" smtClean="0"/>
               <a:pPr/>
               <a:t>‹#›</a:t>
             </a:fld>
@@ -2641,6 +4522,11 @@
         </p:txBody>
       </p:sp>
     </p:spTree>
+    <p:extLst>
+      <p:ext uri="{BB962C8B-B14F-4D97-AF65-F5344CB8AC3E}">
+        <p14:creationId xmlns:p14="http://schemas.microsoft.com/office/powerpoint/2010/main" val="4036256121"/>
+      </p:ext>
+    </p:extLst>
   </p:cSld>
   <p:clrMapOvr>
     <a:masterClrMapping/>
@@ -2652,8 +4538,8 @@
 <p:sldMaster xmlns:a="http://schemas.openxmlformats.org/drawingml/2006/main" xmlns:r="http://schemas.openxmlformats.org/officeDocument/2006/relationships" xmlns:p="http://schemas.openxmlformats.org/presentationml/2006/main">
   <p:cSld>
     <p:bg>
-      <p:bgRef idx="1001">
-        <a:schemeClr val="bg1"/>
+      <p:bgRef idx="1002">
+        <a:schemeClr val="bg2"/>
       </p:bgRef>
     </p:bg>
     <p:spTree>
@@ -2670,58 +4556,244 @@
           <a:chExt cx="0" cy="0"/>
         </a:xfrm>
       </p:grpSpPr>
-      <p:sp>
-        <p:nvSpPr>
-          <p:cNvPr id="7" name="Rectangle 6"/>
-          <p:cNvSpPr/>
+      <p:grpSp>
+        <p:nvGrpSpPr>
+          <p:cNvPr id="7" name="Group 6"/>
+          <p:cNvGrpSpPr/>
           <p:nvPr/>
+        </p:nvGrpSpPr>
+        <p:grpSpPr>
+          <a:xfrm>
+            <a:off x="9206969" y="2963333"/>
+            <a:ext cx="2981858" cy="3208867"/>
+            <a:chOff x="9206969" y="2963333"/>
+            <a:chExt cx="2981858" cy="3208867"/>
+          </a:xfrm>
+        </p:grpSpPr>
+        <p:cxnSp>
+          <p:nvCxnSpPr>
+            <p:cNvPr id="8" name="Straight Connector 7"/>
+            <p:cNvCxnSpPr/>
+            <p:nvPr/>
+          </p:nvCxnSpPr>
+          <p:spPr>
+            <a:xfrm flipH="1">
+              <a:off x="11276012" y="2963333"/>
+              <a:ext cx="912814" cy="912812"/>
+            </a:xfrm>
+            <a:prstGeom prst="line">
+              <a:avLst/>
+            </a:prstGeom>
+            <a:ln w="9525">
+              <a:solidFill>
+                <a:schemeClr val="tx1"/>
+              </a:solidFill>
+            </a:ln>
+          </p:spPr>
+          <p:style>
+            <a:lnRef idx="2">
+              <a:schemeClr val="accent1"/>
+            </a:lnRef>
+            <a:fillRef idx="0">
+              <a:schemeClr val="accent1"/>
+            </a:fillRef>
+            <a:effectRef idx="1">
+              <a:schemeClr val="accent1"/>
+            </a:effectRef>
+            <a:fontRef idx="minor">
+              <a:schemeClr val="tx1"/>
+            </a:fontRef>
+          </p:style>
+        </p:cxnSp>
+        <p:cxnSp>
+          <p:nvCxnSpPr>
+            <p:cNvPr id="9" name="Straight Connector 8"/>
+            <p:cNvCxnSpPr/>
+            <p:nvPr/>
+          </p:nvCxnSpPr>
+          <p:spPr>
+            <a:xfrm flipH="1">
+              <a:off x="9206969" y="3190344"/>
+              <a:ext cx="2981857" cy="2981856"/>
+            </a:xfrm>
+            <a:prstGeom prst="line">
+              <a:avLst/>
+            </a:prstGeom>
+            <a:ln w="9525">
+              <a:solidFill>
+                <a:schemeClr val="tx1"/>
+              </a:solidFill>
+            </a:ln>
+          </p:spPr>
+          <p:style>
+            <a:lnRef idx="2">
+              <a:schemeClr val="accent1"/>
+            </a:lnRef>
+            <a:fillRef idx="0">
+              <a:schemeClr val="accent1"/>
+            </a:fillRef>
+            <a:effectRef idx="1">
+              <a:schemeClr val="accent1"/>
+            </a:effectRef>
+            <a:fontRef idx="minor">
+              <a:schemeClr val="tx1"/>
+            </a:fontRef>
+          </p:style>
+        </p:cxnSp>
+        <p:cxnSp>
+          <p:nvCxnSpPr>
+            <p:cNvPr id="10" name="Straight Connector 9"/>
+            <p:cNvCxnSpPr/>
+            <p:nvPr/>
+          </p:nvCxnSpPr>
+          <p:spPr>
+            <a:xfrm flipH="1">
+              <a:off x="10292292" y="3285067"/>
+              <a:ext cx="1896534" cy="1896533"/>
+            </a:xfrm>
+            <a:prstGeom prst="line">
+              <a:avLst/>
+            </a:prstGeom>
+            <a:ln w="9525">
+              <a:solidFill>
+                <a:schemeClr val="tx1"/>
+              </a:solidFill>
+            </a:ln>
+          </p:spPr>
+          <p:style>
+            <a:lnRef idx="2">
+              <a:schemeClr val="accent1"/>
+            </a:lnRef>
+            <a:fillRef idx="0">
+              <a:schemeClr val="accent1"/>
+            </a:fillRef>
+            <a:effectRef idx="1">
+              <a:schemeClr val="accent1"/>
+            </a:effectRef>
+            <a:fontRef idx="minor">
+              <a:schemeClr val="tx1"/>
+            </a:fontRef>
+          </p:style>
+        </p:cxnSp>
+        <p:cxnSp>
+          <p:nvCxnSpPr>
+            <p:cNvPr id="11" name="Straight Connector 10"/>
+            <p:cNvCxnSpPr/>
+            <p:nvPr/>
+          </p:nvCxnSpPr>
+          <p:spPr>
+            <a:xfrm flipH="1">
+              <a:off x="10443103" y="3131080"/>
+              <a:ext cx="1745722" cy="1745720"/>
+            </a:xfrm>
+            <a:prstGeom prst="line">
+              <a:avLst/>
+            </a:prstGeom>
+            <a:ln w="28575">
+              <a:solidFill>
+                <a:schemeClr val="tx1"/>
+              </a:solidFill>
+            </a:ln>
+          </p:spPr>
+          <p:style>
+            <a:lnRef idx="2">
+              <a:schemeClr val="accent1"/>
+            </a:lnRef>
+            <a:fillRef idx="0">
+              <a:schemeClr val="accent1"/>
+            </a:fillRef>
+            <a:effectRef idx="1">
+              <a:schemeClr val="accent1"/>
+            </a:effectRef>
+            <a:fontRef idx="minor">
+              <a:schemeClr val="tx1"/>
+            </a:fontRef>
+          </p:style>
+        </p:cxnSp>
+        <p:cxnSp>
+          <p:nvCxnSpPr>
+            <p:cNvPr id="12" name="Straight Connector 11"/>
+            <p:cNvCxnSpPr/>
+            <p:nvPr/>
+          </p:nvCxnSpPr>
+          <p:spPr>
+            <a:xfrm flipH="1">
+              <a:off x="10918826" y="3683001"/>
+              <a:ext cx="1270001" cy="1269999"/>
+            </a:xfrm>
+            <a:prstGeom prst="line">
+              <a:avLst/>
+            </a:prstGeom>
+            <a:ln w="28575">
+              <a:solidFill>
+                <a:schemeClr val="tx1"/>
+              </a:solidFill>
+            </a:ln>
+          </p:spPr>
+          <p:style>
+            <a:lnRef idx="2">
+              <a:schemeClr val="accent1"/>
+            </a:lnRef>
+            <a:fillRef idx="0">
+              <a:schemeClr val="accent1"/>
+            </a:fillRef>
+            <a:effectRef idx="1">
+              <a:schemeClr val="accent1"/>
+            </a:effectRef>
+            <a:fontRef idx="minor">
+              <a:schemeClr val="tx1"/>
+            </a:fontRef>
+          </p:style>
+        </p:cxnSp>
+      </p:grpSp>
+      <p:sp>
+        <p:nvSpPr>
+          <p:cNvPr id="2" name="Title Placeholder 1"/>
+          <p:cNvSpPr>
+            <a:spLocks noGrp="1"/>
+          </p:cNvSpPr>
+          <p:nvPr>
+            <p:ph type="title"/>
+          </p:nvPr>
         </p:nvSpPr>
         <p:spPr>
           <a:xfrm>
-            <a:off x="1" y="758952"/>
-            <a:ext cx="3443590" cy="5330952"/>
+            <a:off x="684212" y="4487332"/>
+            <a:ext cx="8534400" cy="1507067"/>
           </a:xfrm>
           <a:prstGeom prst="rect">
             <a:avLst/>
           </a:prstGeom>
-          <a:solidFill>
-            <a:schemeClr val="accent1"/>
-          </a:solidFill>
-          <a:ln>
-            <a:noFill/>
-          </a:ln>
+          <a:effectLst/>
         </p:spPr>
-        <p:style>
-          <a:lnRef idx="2">
-            <a:schemeClr val="accent1">
-              <a:shade val="50000"/>
-            </a:schemeClr>
-          </a:lnRef>
-          <a:fillRef idx="1">
-            <a:schemeClr val="accent1"/>
-          </a:fillRef>
-          <a:effectRef idx="0">
-            <a:schemeClr val="accent1"/>
-          </a:effectRef>
-          <a:fontRef idx="minor">
-            <a:schemeClr val="lt1"/>
-          </a:fontRef>
-        </p:style>
-      </p:sp>
-      <p:sp>
-        <p:nvSpPr>
-          <p:cNvPr id="2" name="Title Placeholder 1"/>
-          <p:cNvSpPr>
-            <a:spLocks noGrp="1"/>
-          </p:cNvSpPr>
-          <p:nvPr>
-            <p:ph type="title"/>
+        <p:txBody>
+          <a:bodyPr vert="horz" lIns="91440" tIns="45720" rIns="91440" bIns="45720" rtlCol="0" anchor="ctr">
+            <a:normAutofit/>
+          </a:bodyPr>
+          <a:lstStyle/>
+          <a:p>
+            <a:r>
+              <a:rPr lang="en-US"/>
+              <a:t>Click to edit Master title style</a:t>
+            </a:r>
+            <a:endParaRPr lang="en-US" dirty="0"/>
+          </a:p>
+        </p:txBody>
+      </p:sp>
+      <p:sp>
+        <p:nvSpPr>
+          <p:cNvPr id="3" name="Text Placeholder 2"/>
+          <p:cNvSpPr>
+            <a:spLocks noGrp="1"/>
+          </p:cNvSpPr>
+          <p:nvPr>
+            <p:ph type="body" idx="1"/>
           </p:nvPr>
         </p:nvSpPr>
         <p:spPr>
           <a:xfrm>
-            <a:off x="252919" y="1123837"/>
-            <a:ext cx="2947482" cy="4601183"/>
+            <a:off x="684212" y="685800"/>
+            <a:ext cx="8534400" cy="3615267"/>
           </a:xfrm>
           <a:prstGeom prst="rect">
             <a:avLst/>
@@ -2733,230 +4805,163 @@
           </a:bodyPr>
           <a:lstStyle/>
           <a:p>
-            <a:r>
-              <a:rPr lang="en-US"/>
-              <a:t>Click to edit Master title style</a:t>
-            </a:r>
-            <a:endParaRPr lang="en-US" dirty="0"/>
-          </a:p>
-        </p:txBody>
-      </p:sp>
-      <p:sp>
-        <p:nvSpPr>
-          <p:cNvPr id="38" name="Rectangle 37"/>
-          <p:cNvSpPr/>
-          <p:nvPr/>
+            <a:pPr lvl="0"/>
+            <a:r>
+              <a:rPr lang="en-US"/>
+              <a:t>Edit Master text styles</a:t>
+            </a:r>
+          </a:p>
+          <a:p>
+            <a:pPr lvl="1"/>
+            <a:r>
+              <a:rPr lang="en-US"/>
+              <a:t>Second level</a:t>
+            </a:r>
+          </a:p>
+          <a:p>
+            <a:pPr lvl="2"/>
+            <a:r>
+              <a:rPr lang="en-US"/>
+              <a:t>Third level</a:t>
+            </a:r>
+          </a:p>
+          <a:p>
+            <a:pPr lvl="3"/>
+            <a:r>
+              <a:rPr lang="en-US"/>
+              <a:t>Fourth level</a:t>
+            </a:r>
+          </a:p>
+          <a:p>
+            <a:pPr lvl="4"/>
+            <a:r>
+              <a:rPr lang="en-US"/>
+              <a:t>Fifth level</a:t>
+            </a:r>
+            <a:endParaRPr lang="en-US" dirty="0"/>
+          </a:p>
+        </p:txBody>
+      </p:sp>
+      <p:sp>
+        <p:nvSpPr>
+          <p:cNvPr id="4" name="Date Placeholder 3"/>
+          <p:cNvSpPr>
+            <a:spLocks noGrp="1"/>
+          </p:cNvSpPr>
+          <p:nvPr>
+            <p:ph type="dt" sz="half" idx="2"/>
+          </p:nvPr>
         </p:nvSpPr>
         <p:spPr>
           <a:xfrm>
-            <a:off x="11815864" y="758952"/>
-            <a:ext cx="384048" cy="5330952"/>
-          </a:xfrm>
-          <a:prstGeom prst="rect">
-            <a:avLst/>
-          </a:prstGeom>
-          <a:solidFill>
-            <a:srgbClr val="C8C8C8">
-              <a:alpha val="49804"/>
-            </a:srgbClr>
-          </a:solidFill>
-          <a:ln>
-            <a:noFill/>
-          </a:ln>
-        </p:spPr>
-        <p:style>
-          <a:lnRef idx="2">
-            <a:schemeClr val="accent1">
-              <a:shade val="50000"/>
-            </a:schemeClr>
-          </a:lnRef>
-          <a:fillRef idx="1">
-            <a:schemeClr val="accent1"/>
-          </a:fillRef>
-          <a:effectRef idx="0">
-            <a:schemeClr val="accent1"/>
-          </a:effectRef>
-          <a:fontRef idx="minor">
-            <a:schemeClr val="lt1"/>
-          </a:fontRef>
-        </p:style>
-      </p:sp>
-      <p:sp>
-        <p:nvSpPr>
-          <p:cNvPr id="3" name="Text Placeholder 2"/>
-          <p:cNvSpPr>
-            <a:spLocks noGrp="1"/>
-          </p:cNvSpPr>
-          <p:nvPr>
-            <p:ph type="body" idx="1"/>
-          </p:nvPr>
-        </p:nvSpPr>
-        <p:spPr>
-          <a:xfrm>
-            <a:off x="3869268" y="864108"/>
-            <a:ext cx="7315200" cy="5120640"/>
+            <a:off x="9904412" y="6172200"/>
+            <a:ext cx="1600200" cy="365125"/>
           </a:xfrm>
           <a:prstGeom prst="rect">
             <a:avLst/>
           </a:prstGeom>
         </p:spPr>
         <p:txBody>
-          <a:bodyPr vert="horz" lIns="91440" tIns="45720" rIns="91440" bIns="45720" rtlCol="0" anchor="ctr">
-            <a:normAutofit/>
-          </a:bodyPr>
-          <a:lstStyle/>
-          <a:p>
-            <a:pPr lvl="0"/>
-            <a:r>
-              <a:rPr lang="en-US"/>
-              <a:t>Edit Master text styles</a:t>
-            </a:r>
-          </a:p>
-          <a:p>
-            <a:pPr lvl="1"/>
-            <a:r>
-              <a:rPr lang="en-US"/>
-              <a:t>Second level</a:t>
-            </a:r>
-          </a:p>
-          <a:p>
-            <a:pPr lvl="2"/>
-            <a:r>
-              <a:rPr lang="en-US"/>
-              <a:t>Third level</a:t>
-            </a:r>
-          </a:p>
-          <a:p>
-            <a:pPr lvl="3"/>
-            <a:r>
-              <a:rPr lang="en-US"/>
-              <a:t>Fourth level</a:t>
-            </a:r>
-          </a:p>
-          <a:p>
-            <a:pPr lvl="4"/>
-            <a:r>
-              <a:rPr lang="en-US"/>
-              <a:t>Fifth level</a:t>
-            </a:r>
-            <a:endParaRPr lang="en-US" dirty="0"/>
-          </a:p>
-        </p:txBody>
-      </p:sp>
-      <p:sp>
-        <p:nvSpPr>
-          <p:cNvPr id="4" name="Date Placeholder 3"/>
-          <p:cNvSpPr>
-            <a:spLocks noGrp="1"/>
-          </p:cNvSpPr>
-          <p:nvPr>
-            <p:ph type="dt" sz="half" idx="2"/>
+          <a:bodyPr vert="horz" lIns="91440" tIns="45720" rIns="91440" bIns="45720" rtlCol="0" anchor="t"/>
+          <a:lstStyle>
+            <a:lvl1pPr algn="r">
+              <a:defRPr sz="1000" b="0" i="0">
+                <a:solidFill>
+                  <a:schemeClr val="bg2">
+                    <a:lumMod val="50000"/>
+                  </a:schemeClr>
+                </a:solidFill>
+                <a:effectLst/>
+                <a:latin typeface="+mn-lt"/>
+              </a:defRPr>
+            </a:lvl1pPr>
+          </a:lstStyle>
+          <a:p>
+            <a:fld id="{5586B75A-687E-405C-8A0B-8D00578BA2C3}" type="datetimeFigureOut">
+              <a:rPr lang="en-US" smtClean="0"/>
+              <a:pPr/>
+              <a:t>9/29/2017</a:t>
+            </a:fld>
+            <a:endParaRPr lang="en-US" dirty="0"/>
+          </a:p>
+        </p:txBody>
+      </p:sp>
+      <p:sp>
+        <p:nvSpPr>
+          <p:cNvPr id="5" name="Footer Placeholder 4"/>
+          <p:cNvSpPr>
+            <a:spLocks noGrp="1"/>
+          </p:cNvSpPr>
+          <p:nvPr>
+            <p:ph type="ftr" sz="quarter" idx="3"/>
           </p:nvPr>
         </p:nvSpPr>
         <p:spPr>
           <a:xfrm>
-            <a:off x="262465" y="6356350"/>
-            <a:ext cx="2743200" cy="365125"/>
+            <a:off x="684212" y="6172200"/>
+            <a:ext cx="7543800" cy="365125"/>
           </a:xfrm>
           <a:prstGeom prst="rect">
             <a:avLst/>
           </a:prstGeom>
         </p:spPr>
         <p:txBody>
-          <a:bodyPr vert="horz" lIns="91440" tIns="45720" rIns="91440" bIns="45720" rtlCol="0" anchor="ctr"/>
+          <a:bodyPr vert="horz" lIns="91440" tIns="45720" rIns="91440" bIns="45720" rtlCol="0" anchor="t"/>
           <a:lstStyle>
             <a:lvl1pPr algn="l">
-              <a:defRPr sz="1100">
-                <a:solidFill>
-                  <a:schemeClr val="tx1">
+              <a:defRPr sz="1000" b="0" i="0">
+                <a:solidFill>
+                  <a:schemeClr val="bg2">
                     <a:lumMod val="50000"/>
-                    <a:lumOff val="50000"/>
-                  </a:schemeClr>
-                </a:solidFill>
+                  </a:schemeClr>
+                </a:solidFill>
+                <a:effectLst/>
+                <a:latin typeface="+mn-lt"/>
               </a:defRPr>
             </a:lvl1pPr>
           </a:lstStyle>
           <a:p>
-            <a:fld id="{5586B75A-687E-405C-8A0B-8D00578BA2C3}" type="datetimeFigureOut">
-              <a:rPr lang="en-US" dirty="0"/>
-              <a:pPr/>
-              <a:t>9/28/2017</a:t>
-            </a:fld>
-            <a:endParaRPr lang="en-US" dirty="0"/>
-          </a:p>
-        </p:txBody>
-      </p:sp>
-      <p:sp>
-        <p:nvSpPr>
-          <p:cNvPr id="5" name="Footer Placeholder 4"/>
-          <p:cNvSpPr>
-            <a:spLocks noGrp="1"/>
-          </p:cNvSpPr>
-          <p:nvPr>
-            <p:ph type="ftr" sz="quarter" idx="3"/>
+            <a:endParaRPr lang="en-US" dirty="0"/>
+          </a:p>
+        </p:txBody>
+      </p:sp>
+      <p:sp>
+        <p:nvSpPr>
+          <p:cNvPr id="6" name="Slide Number Placeholder 5"/>
+          <p:cNvSpPr>
+            <a:spLocks noGrp="1"/>
+          </p:cNvSpPr>
+          <p:nvPr>
+            <p:ph type="sldNum" sz="quarter" idx="4"/>
           </p:nvPr>
         </p:nvSpPr>
         <p:spPr>
           <a:xfrm>
-            <a:off x="3869268" y="6356350"/>
-            <a:ext cx="5911517" cy="365125"/>
+            <a:off x="10363200" y="5578475"/>
+            <a:ext cx="1142245" cy="669925"/>
           </a:xfrm>
           <a:prstGeom prst="rect">
             <a:avLst/>
           </a:prstGeom>
         </p:spPr>
         <p:txBody>
-          <a:bodyPr vert="horz" lIns="91440" tIns="45720" rIns="91440" bIns="45720" rtlCol="0" anchor="ctr"/>
+          <a:bodyPr vert="horz" lIns="91440" tIns="45720" rIns="91440" bIns="45720" rtlCol="0" anchor="b"/>
           <a:lstStyle>
-            <a:lvl1pPr algn="l">
-              <a:defRPr sz="1100">
-                <a:solidFill>
-                  <a:schemeClr val="tx1">
+            <a:lvl1pPr algn="r">
+              <a:defRPr sz="3200" b="0" i="0">
+                <a:solidFill>
+                  <a:schemeClr val="bg2">
                     <a:lumMod val="50000"/>
-                    <a:lumOff val="50000"/>
-                  </a:schemeClr>
-                </a:solidFill>
+                  </a:schemeClr>
+                </a:solidFill>
+                <a:effectLst/>
+                <a:latin typeface="+mn-lt"/>
               </a:defRPr>
             </a:lvl1pPr>
           </a:lstStyle>
           <a:p>
-            <a:endParaRPr lang="en-US" dirty="0"/>
-          </a:p>
-        </p:txBody>
-      </p:sp>
-      <p:sp>
-        <p:nvSpPr>
-          <p:cNvPr id="6" name="Slide Number Placeholder 5"/>
-          <p:cNvSpPr>
-            <a:spLocks noGrp="1"/>
-          </p:cNvSpPr>
-          <p:nvPr>
-            <p:ph type="sldNum" sz="quarter" idx="4"/>
-          </p:nvPr>
-        </p:nvSpPr>
-        <p:spPr>
-          <a:xfrm>
-            <a:off x="10634135" y="6356350"/>
-            <a:ext cx="1530927" cy="365125"/>
-          </a:xfrm>
-          <a:prstGeom prst="rect">
-            <a:avLst/>
-          </a:prstGeom>
-        </p:spPr>
-        <p:txBody>
-          <a:bodyPr vert="horz" lIns="91440" tIns="45720" rIns="91440" bIns="45720" rtlCol="0" anchor="ctr"/>
-          <a:lstStyle>
-            <a:lvl1pPr algn="r">
-              <a:defRPr sz="1200" b="1">
-                <a:solidFill>
-                  <a:schemeClr val="accent1"/>
-                </a:solidFill>
-              </a:defRPr>
-            </a:lvl1pPr>
-          </a:lstStyle>
-          <a:p>
             <a:fld id="{4FAB73BC-B049-4115-A692-8D63A059BFB8}" type="slidenum">
-              <a:rPr lang="en-US" dirty="0"/>
+              <a:rPr lang="en-US" smtClean="0"/>
               <a:pPr/>
               <a:t>‹#›</a:t>
             </a:fld>
@@ -2965,278 +4970,331 @@
         </p:txBody>
       </p:sp>
     </p:spTree>
+    <p:extLst>
+      <p:ext uri="{BB962C8B-B14F-4D97-AF65-F5344CB8AC3E}">
+        <p14:creationId xmlns:p14="http://schemas.microsoft.com/office/powerpoint/2010/main" val="4038093029"/>
+      </p:ext>
+    </p:extLst>
   </p:cSld>
-  <p:clrMap bg1="lt1" tx1="dk1" bg2="lt2" tx2="dk2" accent1="accent1" accent2="accent2" accent3="accent3" accent4="accent4" accent5="accent5" accent6="accent6" hlink="hlink" folHlink="folHlink"/>
+  <p:clrMap bg1="dk1" tx1="lt1" bg2="dk2" tx2="lt2" accent1="accent1" accent2="accent2" accent3="accent3" accent4="accent4" accent5="accent5" accent6="accent6" hlink="hlink" folHlink="folHlink"/>
   <p:sldLayoutIdLst>
-    <p:sldLayoutId id="2147483841" r:id="rId1"/>
-    <p:sldLayoutId id="2147483842" r:id="rId2"/>
-    <p:sldLayoutId id="2147483843" r:id="rId3"/>
-    <p:sldLayoutId id="2147483844" r:id="rId4"/>
-    <p:sldLayoutId id="2147483845" r:id="rId5"/>
-    <p:sldLayoutId id="2147483846" r:id="rId6"/>
-    <p:sldLayoutId id="2147483847" r:id="rId7"/>
-    <p:sldLayoutId id="2147483848" r:id="rId8"/>
-    <p:sldLayoutId id="2147483849" r:id="rId9"/>
-    <p:sldLayoutId id="2147483850" r:id="rId10"/>
-    <p:sldLayoutId id="2147483851" r:id="rId11"/>
+    <p:sldLayoutId id="2147483853" r:id="rId1"/>
+    <p:sldLayoutId id="2147483854" r:id="rId2"/>
+    <p:sldLayoutId id="2147483855" r:id="rId3"/>
+    <p:sldLayoutId id="2147483856" r:id="rId4"/>
+    <p:sldLayoutId id="2147483857" r:id="rId5"/>
+    <p:sldLayoutId id="2147483858" r:id="rId6"/>
+    <p:sldLayoutId id="2147483859" r:id="rId7"/>
+    <p:sldLayoutId id="2147483860" r:id="rId8"/>
+    <p:sldLayoutId id="2147483861" r:id="rId9"/>
+    <p:sldLayoutId id="2147483862" r:id="rId10"/>
+    <p:sldLayoutId id="2147483863" r:id="rId11"/>
+    <p:sldLayoutId id="2147483864" r:id="rId12"/>
+    <p:sldLayoutId id="2147483865" r:id="rId13"/>
+    <p:sldLayoutId id="2147483866" r:id="rId14"/>
+    <p:sldLayoutId id="2147483867" r:id="rId15"/>
+    <p:sldLayoutId id="2147483868" r:id="rId16"/>
+    <p:sldLayoutId id="2147483869" r:id="rId17"/>
   </p:sldLayoutIdLst>
   <p:hf sldNum="0" hdr="0" ftr="0" dt="0"/>
   <p:txStyles>
     <p:titleStyle>
-      <a:lvl1pPr algn="l" defTabSz="914400" rtl="0" eaLnBrk="1" latinLnBrk="0" hangingPunct="1">
-        <a:lnSpc>
-          <a:spcPct val="90000"/>
-        </a:lnSpc>
+      <a:lvl1pPr algn="l" defTabSz="457200" rtl="0" eaLnBrk="1" latinLnBrk="0" hangingPunct="1">
         <a:spcBef>
           <a:spcPct val="0"/>
         </a:spcBef>
         <a:buNone/>
-        <a:defRPr sz="3600" kern="1200" spc="-60" baseline="0">
+        <a:defRPr sz="3600" kern="1200" cap="all">
+          <a:ln w="3175" cmpd="sng">
+            <a:noFill/>
+          </a:ln>
           <a:solidFill>
-            <a:srgbClr val="FFFFFF"/>
+            <a:schemeClr val="tx1"/>
           </a:solidFill>
+          <a:effectLst/>
           <a:latin typeface="+mj-lt"/>
           <a:ea typeface="+mj-ea"/>
           <a:cs typeface="+mj-cs"/>
         </a:defRPr>
       </a:lvl1pPr>
+      <a:lvl2pPr eaLnBrk="1" hangingPunct="1">
+        <a:defRPr>
+          <a:solidFill>
+            <a:schemeClr val="tx2"/>
+          </a:solidFill>
+        </a:defRPr>
+      </a:lvl2pPr>
+      <a:lvl3pPr eaLnBrk="1" hangingPunct="1">
+        <a:defRPr>
+          <a:solidFill>
+            <a:schemeClr val="tx2"/>
+          </a:solidFill>
+        </a:defRPr>
+      </a:lvl3pPr>
+      <a:lvl4pPr eaLnBrk="1" hangingPunct="1">
+        <a:defRPr>
+          <a:solidFill>
+            <a:schemeClr val="tx2"/>
+          </a:solidFill>
+        </a:defRPr>
+      </a:lvl4pPr>
+      <a:lvl5pPr eaLnBrk="1" hangingPunct="1">
+        <a:defRPr>
+          <a:solidFill>
+            <a:schemeClr val="tx2"/>
+          </a:solidFill>
+        </a:defRPr>
+      </a:lvl5pPr>
+      <a:lvl6pPr eaLnBrk="1" hangingPunct="1">
+        <a:defRPr>
+          <a:solidFill>
+            <a:schemeClr val="tx2"/>
+          </a:solidFill>
+        </a:defRPr>
+      </a:lvl6pPr>
+      <a:lvl7pPr eaLnBrk="1" hangingPunct="1">
+        <a:defRPr>
+          <a:solidFill>
+            <a:schemeClr val="tx2"/>
+          </a:solidFill>
+        </a:defRPr>
+      </a:lvl7pPr>
+      <a:lvl8pPr eaLnBrk="1" hangingPunct="1">
+        <a:defRPr>
+          <a:solidFill>
+            <a:schemeClr val="tx2"/>
+          </a:solidFill>
+        </a:defRPr>
+      </a:lvl8pPr>
+      <a:lvl9pPr eaLnBrk="1" hangingPunct="1">
+        <a:defRPr>
+          <a:solidFill>
+            <a:schemeClr val="tx2"/>
+          </a:solidFill>
+        </a:defRPr>
+      </a:lvl9pPr>
     </p:titleStyle>
     <p:bodyStyle>
-      <a:lvl1pPr marL="182880" indent="-182880" algn="l" defTabSz="914400" rtl="0" eaLnBrk="1" latinLnBrk="0" hangingPunct="1">
-        <a:lnSpc>
-          <a:spcPct val="90000"/>
-        </a:lnSpc>
+      <a:lvl1pPr marL="285750" indent="-285750" algn="l" defTabSz="457200" rtl="0" eaLnBrk="1" latinLnBrk="0" hangingPunct="1">
         <a:spcBef>
-          <a:spcPts val="1200"/>
+          <a:spcPct val="20000"/>
         </a:spcBef>
+        <a:spcAft>
+          <a:spcPts val="600"/>
+        </a:spcAft>
         <a:buClr>
-          <a:schemeClr val="accent1"/>
+          <a:schemeClr val="tx1"/>
         </a:buClr>
-        <a:buFont typeface="Wingdings 2" pitchFamily="18" charset="2"/>
-        <a:buChar char=""/>
-        <a:defRPr sz="2000" kern="1200">
+        <a:buSzPct val="80000"/>
+        <a:buFont typeface="Wingdings 3" panose="05040102010807070707" pitchFamily="18" charset="2"/>
+        <a:buChar char=""/>
+        <a:defRPr sz="2000" kern="1200" cap="none">
           <a:solidFill>
-            <a:schemeClr val="tx1">
-              <a:lumMod val="65000"/>
-              <a:lumOff val="35000"/>
+            <a:schemeClr val="bg2">
+              <a:lumMod val="75000"/>
             </a:schemeClr>
           </a:solidFill>
+          <a:effectLst/>
           <a:latin typeface="+mn-lt"/>
           <a:ea typeface="+mn-ea"/>
           <a:cs typeface="+mn-cs"/>
         </a:defRPr>
       </a:lvl1pPr>
-      <a:lvl2pPr marL="685800" indent="-182880" algn="l" defTabSz="914400" rtl="0" eaLnBrk="1" latinLnBrk="0" hangingPunct="1">
-        <a:lnSpc>
-          <a:spcPct val="90000"/>
-        </a:lnSpc>
+      <a:lvl2pPr marL="742950" indent="-285750" algn="l" defTabSz="457200" rtl="0" eaLnBrk="1" latinLnBrk="0" hangingPunct="1">
         <a:spcBef>
-          <a:spcPts val="250"/>
+          <a:spcPct val="20000"/>
         </a:spcBef>
         <a:spcAft>
-          <a:spcPts val="250"/>
+          <a:spcPts val="600"/>
         </a:spcAft>
         <a:buClr>
-          <a:schemeClr val="accent1"/>
+          <a:schemeClr val="tx1"/>
         </a:buClr>
-        <a:buFont typeface="Wingdings 2" pitchFamily="18" charset="2"/>
-        <a:buChar char=""/>
-        <a:defRPr sz="1800" kern="1200">
+        <a:buSzPct val="80000"/>
+        <a:buFont typeface="Wingdings 3" panose="05040102010807070707" pitchFamily="18" charset="2"/>
+        <a:buChar char=""/>
+        <a:defRPr sz="1800" kern="1200" cap="none">
           <a:solidFill>
-            <a:schemeClr val="tx1">
-              <a:lumMod val="65000"/>
-              <a:lumOff val="35000"/>
+            <a:schemeClr val="bg2">
+              <a:lumMod val="75000"/>
             </a:schemeClr>
           </a:solidFill>
+          <a:effectLst/>
           <a:latin typeface="+mn-lt"/>
           <a:ea typeface="+mn-ea"/>
           <a:cs typeface="+mn-cs"/>
         </a:defRPr>
       </a:lvl2pPr>
-      <a:lvl3pPr marL="1143000" indent="-182880" algn="l" defTabSz="914400" rtl="0" eaLnBrk="1" latinLnBrk="0" hangingPunct="1">
-        <a:lnSpc>
-          <a:spcPct val="90000"/>
-        </a:lnSpc>
+      <a:lvl3pPr marL="1200150" indent="-285750" algn="l" defTabSz="457200" rtl="0" eaLnBrk="1" latinLnBrk="0" hangingPunct="1">
         <a:spcBef>
-          <a:spcPts val="250"/>
+          <a:spcPct val="20000"/>
         </a:spcBef>
         <a:spcAft>
-          <a:spcPts val="250"/>
+          <a:spcPts val="600"/>
         </a:spcAft>
         <a:buClr>
-          <a:schemeClr val="accent1"/>
+          <a:schemeClr val="tx1"/>
         </a:buClr>
-        <a:buFont typeface="Wingdings 2" pitchFamily="18" charset="2"/>
-        <a:buChar char=""/>
-        <a:defRPr sz="1600" kern="1200">
+        <a:buSzPct val="80000"/>
+        <a:buFont typeface="Wingdings 3" panose="05040102010807070707" pitchFamily="18" charset="2"/>
+        <a:buChar char=""/>
+        <a:defRPr sz="1600" kern="1200" cap="none">
           <a:solidFill>
-            <a:schemeClr val="tx1">
-              <a:lumMod val="65000"/>
-              <a:lumOff val="35000"/>
+            <a:schemeClr val="bg2">
+              <a:lumMod val="75000"/>
             </a:schemeClr>
           </a:solidFill>
+          <a:effectLst/>
           <a:latin typeface="+mn-lt"/>
           <a:ea typeface="+mn-ea"/>
           <a:cs typeface="+mn-cs"/>
         </a:defRPr>
       </a:lvl3pPr>
-      <a:lvl4pPr marL="1600200" indent="-182880" algn="l" defTabSz="914400" rtl="0" eaLnBrk="1" latinLnBrk="0" hangingPunct="1">
-        <a:lnSpc>
-          <a:spcPct val="90000"/>
-        </a:lnSpc>
+      <a:lvl4pPr marL="1543050" indent="-171450" algn="l" defTabSz="457200" rtl="0" eaLnBrk="1" latinLnBrk="0" hangingPunct="1">
         <a:spcBef>
-          <a:spcPts val="250"/>
+          <a:spcPct val="20000"/>
         </a:spcBef>
         <a:spcAft>
-          <a:spcPts val="250"/>
+          <a:spcPts val="600"/>
         </a:spcAft>
         <a:buClr>
-          <a:schemeClr val="accent1"/>
+          <a:schemeClr val="tx1"/>
         </a:buClr>
-        <a:buFont typeface="Wingdings 2" pitchFamily="18" charset="2"/>
-        <a:buChar char=""/>
-        <a:defRPr sz="1400" kern="1200">
+        <a:buSzPct val="80000"/>
+        <a:buFont typeface="Wingdings 3" panose="05040102010807070707" pitchFamily="18" charset="2"/>
+        <a:buChar char=""/>
+        <a:defRPr sz="1400" kern="1200" cap="none">
           <a:solidFill>
-            <a:schemeClr val="tx1">
-              <a:lumMod val="65000"/>
-              <a:lumOff val="35000"/>
+            <a:schemeClr val="bg2">
+              <a:lumMod val="75000"/>
             </a:schemeClr>
           </a:solidFill>
+          <a:effectLst/>
           <a:latin typeface="+mn-lt"/>
           <a:ea typeface="+mn-ea"/>
           <a:cs typeface="+mn-cs"/>
         </a:defRPr>
       </a:lvl4pPr>
-      <a:lvl5pPr marL="2057400" indent="-182880" algn="l" defTabSz="914400" rtl="0" eaLnBrk="1" latinLnBrk="0" hangingPunct="1">
-        <a:lnSpc>
-          <a:spcPct val="90000"/>
-        </a:lnSpc>
+      <a:lvl5pPr marL="2000250" indent="-171450" algn="l" defTabSz="457200" rtl="0" eaLnBrk="1" latinLnBrk="0" hangingPunct="1">
         <a:spcBef>
-          <a:spcPts val="250"/>
+          <a:spcPct val="20000"/>
         </a:spcBef>
         <a:spcAft>
-          <a:spcPts val="250"/>
+          <a:spcPts val="600"/>
         </a:spcAft>
         <a:buClr>
-          <a:schemeClr val="accent1"/>
+          <a:schemeClr val="tx1"/>
         </a:buClr>
-        <a:buFont typeface="Wingdings 2" pitchFamily="18" charset="2"/>
-        <a:buChar char=""/>
-        <a:defRPr sz="1400" kern="1200">
+        <a:buSzPct val="80000"/>
+        <a:buFont typeface="Wingdings 3" panose="05040102010807070707" pitchFamily="18" charset="2"/>
+        <a:buChar char=""/>
+        <a:defRPr sz="1400" kern="1200" cap="none">
           <a:solidFill>
-            <a:schemeClr val="tx1">
-              <a:lumMod val="65000"/>
-              <a:lumOff val="35000"/>
+            <a:schemeClr val="bg2">
+              <a:lumMod val="75000"/>
             </a:schemeClr>
           </a:solidFill>
+          <a:effectLst/>
           <a:latin typeface="+mn-lt"/>
           <a:ea typeface="+mn-ea"/>
           <a:cs typeface="+mn-cs"/>
         </a:defRPr>
       </a:lvl5pPr>
-      <a:lvl6pPr marL="2514600" indent="-228600" algn="l" defTabSz="914400" rtl="0" eaLnBrk="1" latinLnBrk="0" hangingPunct="1">
-        <a:lnSpc>
-          <a:spcPct val="90000"/>
-        </a:lnSpc>
+      <a:lvl6pPr marL="2514600" indent="-228600" algn="l" defTabSz="457200" rtl="0" eaLnBrk="1" latinLnBrk="0" hangingPunct="1">
         <a:spcBef>
-          <a:spcPts val="250"/>
+          <a:spcPct val="20000"/>
         </a:spcBef>
         <a:spcAft>
-          <a:spcPts val="250"/>
+          <a:spcPts val="600"/>
         </a:spcAft>
         <a:buClr>
-          <a:schemeClr val="accent1"/>
+          <a:schemeClr val="tx1"/>
         </a:buClr>
-        <a:buFont typeface="Wingdings 2" pitchFamily="18" charset="2"/>
-        <a:buChar char=""/>
-        <a:defRPr sz="1400" kern="1200">
+        <a:buSzPct val="80000"/>
+        <a:buFont typeface="Wingdings 3" panose="05040102010807070707" pitchFamily="18" charset="2"/>
+        <a:buChar char=""/>
+        <a:defRPr sz="1400" kern="1200" cap="none">
           <a:solidFill>
-            <a:schemeClr val="tx1">
-              <a:lumMod val="65000"/>
-              <a:lumOff val="35000"/>
+            <a:schemeClr val="bg2">
+              <a:lumMod val="75000"/>
             </a:schemeClr>
           </a:solidFill>
+          <a:effectLst/>
           <a:latin typeface="+mn-lt"/>
           <a:ea typeface="+mn-ea"/>
           <a:cs typeface="+mn-cs"/>
         </a:defRPr>
       </a:lvl6pPr>
-      <a:lvl7pPr marL="2971800" indent="-228600" algn="l" defTabSz="914400" rtl="0" eaLnBrk="1" latinLnBrk="0" hangingPunct="1">
-        <a:lnSpc>
-          <a:spcPct val="90000"/>
-        </a:lnSpc>
+      <a:lvl7pPr marL="2971800" indent="-228600" algn="l" defTabSz="457200" rtl="0" eaLnBrk="1" latinLnBrk="0" hangingPunct="1">
         <a:spcBef>
-          <a:spcPts val="250"/>
+          <a:spcPct val="20000"/>
         </a:spcBef>
         <a:spcAft>
-          <a:spcPts val="250"/>
+          <a:spcPts val="600"/>
         </a:spcAft>
         <a:buClr>
-          <a:schemeClr val="accent1"/>
+          <a:schemeClr val="tx1"/>
         </a:buClr>
-        <a:buFont typeface="Wingdings 2" pitchFamily="18" charset="2"/>
-        <a:buChar char=""/>
-        <a:defRPr sz="1400" kern="1200">
+        <a:buSzPct val="80000"/>
+        <a:buFont typeface="Wingdings 3" panose="05040102010807070707" pitchFamily="18" charset="2"/>
+        <a:buChar char=""/>
+        <a:defRPr sz="1400" kern="1200" cap="none">
           <a:solidFill>
-            <a:schemeClr val="tx1">
-              <a:lumMod val="65000"/>
-              <a:lumOff val="35000"/>
+            <a:schemeClr val="bg2">
+              <a:lumMod val="75000"/>
             </a:schemeClr>
           </a:solidFill>
+          <a:effectLst/>
           <a:latin typeface="+mn-lt"/>
           <a:ea typeface="+mn-ea"/>
           <a:cs typeface="+mn-cs"/>
         </a:defRPr>
       </a:lvl7pPr>
-      <a:lvl8pPr marL="3429000" indent="-228600" algn="l" defTabSz="914400" rtl="0" eaLnBrk="1" latinLnBrk="0" hangingPunct="1">
-        <a:lnSpc>
-          <a:spcPct val="90000"/>
-        </a:lnSpc>
+      <a:lvl8pPr marL="3429000" indent="-228600" algn="l" defTabSz="457200" rtl="0" eaLnBrk="1" latinLnBrk="0" hangingPunct="1">
         <a:spcBef>
-          <a:spcPts val="250"/>
+          <a:spcPct val="20000"/>
         </a:spcBef>
         <a:spcAft>
-          <a:spcPts val="250"/>
+          <a:spcPts val="600"/>
         </a:spcAft>
         <a:buClr>
-          <a:schemeClr val="accent1"/>
+          <a:schemeClr val="tx1"/>
         </a:buClr>
-        <a:buFont typeface="Wingdings 2" pitchFamily="18" charset="2"/>
-        <a:buChar char=""/>
-        <a:defRPr sz="1400" kern="1200">
+        <a:buSzPct val="80000"/>
+        <a:buFont typeface="Wingdings 3" panose="05040102010807070707" pitchFamily="18" charset="2"/>
+        <a:buChar char=""/>
+        <a:defRPr sz="1400" kern="1200" cap="none">
           <a:solidFill>
-            <a:schemeClr val="tx1">
-              <a:lumMod val="65000"/>
-              <a:lumOff val="35000"/>
+            <a:schemeClr val="bg2">
+              <a:lumMod val="75000"/>
             </a:schemeClr>
           </a:solidFill>
+          <a:effectLst/>
           <a:latin typeface="+mn-lt"/>
           <a:ea typeface="+mn-ea"/>
           <a:cs typeface="+mn-cs"/>
         </a:defRPr>
       </a:lvl8pPr>
-      <a:lvl9pPr marL="3886200" indent="-228600" algn="l" defTabSz="914400" rtl="0" eaLnBrk="1" latinLnBrk="0" hangingPunct="1">
-        <a:lnSpc>
-          <a:spcPct val="90000"/>
-        </a:lnSpc>
+      <a:lvl9pPr marL="3886200" indent="-228600" algn="l" defTabSz="457200" rtl="0" eaLnBrk="1" latinLnBrk="0" hangingPunct="1">
         <a:spcBef>
-          <a:spcPts val="250"/>
+          <a:spcPct val="20000"/>
         </a:spcBef>
         <a:spcAft>
-          <a:spcPts val="250"/>
+          <a:spcPts val="600"/>
         </a:spcAft>
         <a:buClr>
-          <a:schemeClr val="accent1"/>
+          <a:schemeClr val="tx1"/>
         </a:buClr>
-        <a:buFont typeface="Wingdings 2" pitchFamily="18" charset="2"/>
-        <a:buChar char=""/>
-        <a:defRPr sz="1400" kern="1200">
+        <a:buSzPct val="80000"/>
+        <a:buFont typeface="Wingdings 3" panose="05040102010807070707" pitchFamily="18" charset="2"/>
+        <a:buChar char=""/>
+        <a:defRPr sz="1400" kern="1200" cap="none">
           <a:solidFill>
-            <a:schemeClr val="tx1">
-              <a:lumMod val="65000"/>
-              <a:lumOff val="35000"/>
+            <a:schemeClr val="bg2">
+              <a:lumMod val="75000"/>
             </a:schemeClr>
           </a:solidFill>
+          <a:effectLst/>
           <a:latin typeface="+mn-lt"/>
           <a:ea typeface="+mn-ea"/>
           <a:cs typeface="+mn-cs"/>
@@ -3247,7 +5305,7 @@
       <a:defPPr>
         <a:defRPr lang="en-US"/>
       </a:defPPr>
-      <a:lvl1pPr marL="0" algn="l" defTabSz="914400" rtl="0" eaLnBrk="1" latinLnBrk="0" hangingPunct="1">
+      <a:lvl1pPr marL="0" algn="l" defTabSz="457200" rtl="0" eaLnBrk="1" latinLnBrk="0" hangingPunct="1">
         <a:defRPr sz="1800" kern="1200">
           <a:solidFill>
             <a:schemeClr val="tx1"/>
@@ -3257,7 +5315,7 @@
           <a:cs typeface="+mn-cs"/>
         </a:defRPr>
       </a:lvl1pPr>
-      <a:lvl2pPr marL="457200" algn="l" defTabSz="914400" rtl="0" eaLnBrk="1" latinLnBrk="0" hangingPunct="1">
+      <a:lvl2pPr marL="457200" algn="l" defTabSz="457200" rtl="0" eaLnBrk="1" latinLnBrk="0" hangingPunct="1">
         <a:defRPr sz="1800" kern="1200">
           <a:solidFill>
             <a:schemeClr val="tx1"/>
@@ -3267,7 +5325,7 @@
           <a:cs typeface="+mn-cs"/>
         </a:defRPr>
       </a:lvl2pPr>
-      <a:lvl3pPr marL="914400" algn="l" defTabSz="914400" rtl="0" eaLnBrk="1" latinLnBrk="0" hangingPunct="1">
+      <a:lvl3pPr marL="914400" algn="l" defTabSz="457200" rtl="0" eaLnBrk="1" latinLnBrk="0" hangingPunct="1">
         <a:defRPr sz="1800" kern="1200">
           <a:solidFill>
             <a:schemeClr val="tx1"/>
@@ -3277,7 +5335,7 @@
           <a:cs typeface="+mn-cs"/>
         </a:defRPr>
       </a:lvl3pPr>
-      <a:lvl4pPr marL="1371600" algn="l" defTabSz="914400" rtl="0" eaLnBrk="1" latinLnBrk="0" hangingPunct="1">
+      <a:lvl4pPr marL="1371600" algn="l" defTabSz="457200" rtl="0" eaLnBrk="1" latinLnBrk="0" hangingPunct="1">
         <a:defRPr sz="1800" kern="1200">
           <a:solidFill>
             <a:schemeClr val="tx1"/>
@@ -3287,7 +5345,7 @@
           <a:cs typeface="+mn-cs"/>
         </a:defRPr>
       </a:lvl4pPr>
-      <a:lvl5pPr marL="1828800" algn="l" defTabSz="914400" rtl="0" eaLnBrk="1" latinLnBrk="0" hangingPunct="1">
+      <a:lvl5pPr marL="1828800" algn="l" defTabSz="457200" rtl="0" eaLnBrk="1" latinLnBrk="0" hangingPunct="1">
         <a:defRPr sz="1800" kern="1200">
           <a:solidFill>
             <a:schemeClr val="tx1"/>
@@ -3297,7 +5355,7 @@
           <a:cs typeface="+mn-cs"/>
         </a:defRPr>
       </a:lvl5pPr>
-      <a:lvl6pPr marL="2286000" algn="l" defTabSz="914400" rtl="0" eaLnBrk="1" latinLnBrk="0" hangingPunct="1">
+      <a:lvl6pPr marL="2286000" algn="l" defTabSz="457200" rtl="0" eaLnBrk="1" latinLnBrk="0" hangingPunct="1">
         <a:defRPr sz="1800" kern="1200">
           <a:solidFill>
             <a:schemeClr val="tx1"/>
@@ -3307,7 +5365,7 @@
           <a:cs typeface="+mn-cs"/>
         </a:defRPr>
       </a:lvl6pPr>
-      <a:lvl7pPr marL="2743200" algn="l" defTabSz="914400" rtl="0" eaLnBrk="1" latinLnBrk="0" hangingPunct="1">
+      <a:lvl7pPr marL="2743200" algn="l" defTabSz="457200" rtl="0" eaLnBrk="1" latinLnBrk="0" hangingPunct="1">
         <a:defRPr sz="1800" kern="1200">
           <a:solidFill>
             <a:schemeClr val="tx1"/>
@@ -3317,7 +5375,7 @@
           <a:cs typeface="+mn-cs"/>
         </a:defRPr>
       </a:lvl7pPr>
-      <a:lvl8pPr marL="3200400" algn="l" defTabSz="914400" rtl="0" eaLnBrk="1" latinLnBrk="0" hangingPunct="1">
+      <a:lvl8pPr marL="3200400" algn="l" defTabSz="457200" rtl="0" eaLnBrk="1" latinLnBrk="0" hangingPunct="1">
         <a:defRPr sz="1800" kern="1200">
           <a:solidFill>
             <a:schemeClr val="tx1"/>
@@ -3327,7 +5385,7 @@
           <a:cs typeface="+mn-cs"/>
         </a:defRPr>
       </a:lvl8pPr>
-      <a:lvl9pPr marL="3657600" algn="l" defTabSz="914400" rtl="0" eaLnBrk="1" latinLnBrk="0" hangingPunct="1">
+      <a:lvl9pPr marL="3657600" algn="l" defTabSz="457200" rtl="0" eaLnBrk="1" latinLnBrk="0" hangingPunct="1">
         <a:defRPr sz="1800" kern="1200">
           <a:solidFill>
             <a:schemeClr val="tx1"/>
@@ -3461,7 +5519,12 @@
             <p:ph type="title"/>
           </p:nvPr>
         </p:nvSpPr>
-        <p:spPr/>
+        <p:spPr>
+          <a:xfrm>
+            <a:off x="684211" y="4813540"/>
+            <a:ext cx="8534400" cy="1507067"/>
+          </a:xfrm>
+        </p:spPr>
         <p:txBody>
           <a:bodyPr>
             <a:normAutofit/>
@@ -3491,9 +5554,16 @@
             <p:ph idx="1"/>
           </p:nvPr>
         </p:nvSpPr>
-        <p:spPr/>
-        <p:txBody>
-          <a:bodyPr/>
+        <p:spPr>
+          <a:xfrm>
+            <a:off x="684211" y="685800"/>
+            <a:ext cx="9563969" cy="4334774"/>
+          </a:xfrm>
+        </p:spPr>
+        <p:txBody>
+          <a:bodyPr>
+            <a:normAutofit/>
+          </a:bodyPr>
           <a:lstStyle/>
           <a:p>
             <a:r>
@@ -3540,13 +5610,8 @@
             </a:r>
             <a:r>
               <a:rPr lang="en-US" dirty="0"/>
-              <a:t>, but some are not </a:t>
-            </a:r>
-            <a:r>
-              <a:rPr lang="en-US"/>
-              <a:t>there yet</a:t>
-            </a:r>
-            <a:endParaRPr lang="en-US" dirty="0"/>
+              <a:t>, but some are not there yet</a:t>
+            </a:r>
           </a:p>
           <a:p>
             <a:pPr lvl="1"/>
@@ -3600,7 +5665,12 @@
             <p:ph type="title"/>
           </p:nvPr>
         </p:nvSpPr>
-        <p:spPr/>
+        <p:spPr>
+          <a:xfrm>
+            <a:off x="822234" y="5229204"/>
+            <a:ext cx="8534400" cy="1507067"/>
+          </a:xfrm>
+        </p:spPr>
         <p:txBody>
           <a:bodyPr/>
           <a:lstStyle/>
@@ -3628,9 +5698,16 @@
             <p:ph idx="1"/>
           </p:nvPr>
         </p:nvSpPr>
-        <p:spPr/>
-        <p:txBody>
-          <a:bodyPr/>
+        <p:spPr>
+          <a:xfrm>
+            <a:off x="483079" y="414068"/>
+            <a:ext cx="11007305" cy="4815136"/>
+          </a:xfrm>
+        </p:spPr>
+        <p:txBody>
+          <a:bodyPr>
+            <a:normAutofit/>
+          </a:bodyPr>
           <a:lstStyle/>
           <a:p>
             <a:r>
@@ -3736,52 +5813,52 @@
 </file>
 
 <file path=ppt/theme/theme1.xml><?xml version="1.0" encoding="utf-8"?>
-<a:theme xmlns:a="http://schemas.openxmlformats.org/drawingml/2006/main" name="Frame">
+<a:theme xmlns:a="http://schemas.openxmlformats.org/drawingml/2006/main" name="Slice">
   <a:themeElements>
-    <a:clrScheme name="Frame">
+    <a:clrScheme name="Slice">
       <a:dk1>
-        <a:srgbClr val="000000"/>
+        <a:sysClr val="windowText" lastClr="000000"/>
       </a:dk1>
       <a:lt1>
-        <a:srgbClr val="FFFFFF"/>
+        <a:sysClr val="window" lastClr="FFFFFF"/>
       </a:lt1>
       <a:dk2>
-        <a:srgbClr val="545454"/>
+        <a:srgbClr val="146194"/>
       </a:dk2>
       <a:lt2>
-        <a:srgbClr val="BFBFBF"/>
+        <a:srgbClr val="76DBF4"/>
       </a:lt2>
       <a:accent1>
-        <a:srgbClr val="40BAD2"/>
+        <a:srgbClr val="052F61"/>
       </a:accent1>
       <a:accent2>
-        <a:srgbClr val="FAB900"/>
+        <a:srgbClr val="A50E82"/>
       </a:accent2>
       <a:accent3>
-        <a:srgbClr val="90BB23"/>
+        <a:srgbClr val="14967C"/>
       </a:accent3>
       <a:accent4>
-        <a:srgbClr val="EE7008"/>
+        <a:srgbClr val="6A9E1F"/>
       </a:accent4>
       <a:accent5>
-        <a:srgbClr val="1AB39F"/>
+        <a:srgbClr val="E87D37"/>
       </a:accent5>
       <a:accent6>
-        <a:srgbClr val="D5393D"/>
+        <a:srgbClr val="C62324"/>
       </a:accent6>
       <a:hlink>
-        <a:srgbClr val="90BB23"/>
+        <a:srgbClr val="0D2E46"/>
       </a:hlink>
       <a:folHlink>
-        <a:srgbClr val="EE7008"/>
+        <a:srgbClr val="356A95"/>
       </a:folHlink>
     </a:clrScheme>
-    <a:fontScheme name="Frame">
+    <a:fontScheme name="Slice">
       <a:majorFont>
-        <a:latin typeface="Corbel" panose="020B0503020204020204"/>
+        <a:latin typeface="Century Gothic" panose="020B0502020202020204"/>
         <a:ea typeface=""/>
         <a:cs typeface=""/>
-        <a:font script="Jpan" typeface="ＭＳ ゴシック"/>
+        <a:font script="Jpan" typeface="メイリオ"/>
         <a:font script="Hang" typeface="HY중고딕"/>
         <a:font script="Hans" typeface="幼圆"/>
         <a:font script="Hant" typeface="微軟正黑體"/>
@@ -3813,10 +5890,10 @@
         <a:font script="Geor" typeface="Sylfaen"/>
       </a:majorFont>
       <a:minorFont>
-        <a:latin typeface="Corbel" panose="020B0503020204020204"/>
+        <a:latin typeface="Century Gothic" panose="020B0502020202020204"/>
         <a:ea typeface=""/>
         <a:cs typeface=""/>
-        <a:font script="Jpan" typeface="ＭＳ ゴシック"/>
+        <a:font script="Jpan" typeface="メイリオ"/>
         <a:font script="Hang" typeface="HY중고딕"/>
         <a:font script="Hans" typeface="幼圆"/>
         <a:font script="Hant" typeface="微軟正黑體"/>
@@ -3843,48 +5920,77 @@
         <a:font script="Laoo" typeface="DokChampa"/>
         <a:font script="Sinh" typeface="Iskoola Pota"/>
         <a:font script="Mong" typeface="Mongolian Baiti"/>
-        <a:font script="Viet" typeface="Verdana"/>
+        <a:font script="Viet" typeface="Tahoma"/>
         <a:font script="Uigh" typeface="Microsoft Uighur"/>
         <a:font script="Geor" typeface="Sylfaen"/>
       </a:minorFont>
     </a:fontScheme>
-    <a:fmtScheme name="Frame">
+    <a:fmtScheme name="Slice">
       <a:fillStyleLst>
         <a:solidFill>
           <a:schemeClr val="phClr"/>
         </a:solidFill>
-        <a:solidFill>
-          <a:schemeClr val="phClr">
-            <a:tint val="65000"/>
-          </a:schemeClr>
-        </a:solidFill>
-        <a:solidFill>
-          <a:schemeClr val="phClr">
-            <a:shade val="80000"/>
-            <a:satMod val="150000"/>
-          </a:schemeClr>
-        </a:solidFill>
+        <a:gradFill rotWithShape="1">
+          <a:gsLst>
+            <a:gs pos="0">
+              <a:schemeClr val="phClr">
+                <a:tint val="62000"/>
+                <a:hueMod val="94000"/>
+                <a:satMod val="140000"/>
+                <a:lumMod val="110000"/>
+              </a:schemeClr>
+            </a:gs>
+            <a:gs pos="100000">
+              <a:schemeClr val="phClr">
+                <a:tint val="84000"/>
+                <a:satMod val="160000"/>
+              </a:schemeClr>
+            </a:gs>
+          </a:gsLst>
+          <a:lin ang="5400000" scaled="0"/>
+        </a:gradFill>
+        <a:gradFill rotWithShape="1">
+          <a:gsLst>
+            <a:gs pos="0">
+              <a:schemeClr val="phClr">
+                <a:tint val="98000"/>
+                <a:hueMod val="94000"/>
+                <a:satMod val="130000"/>
+                <a:lumMod val="128000"/>
+              </a:schemeClr>
+            </a:gs>
+            <a:gs pos="100000">
+              <a:schemeClr val="phClr">
+                <a:shade val="94000"/>
+                <a:lumMod val="88000"/>
+              </a:schemeClr>
+            </a:gs>
+          </a:gsLst>
+          <a:lin ang="5400000" scaled="0"/>
+        </a:gradFill>
       </a:fillStyleLst>
       <a:lnStyleLst>
-        <a:ln w="9525" cap="flat" cmpd="sng" algn="ctr">
+        <a:ln w="9525" cap="rnd" cmpd="sng" algn="ctr">
           <a:solidFill>
-            <a:schemeClr val="phClr"/>
+            <a:schemeClr val="phClr">
+              <a:tint val="76000"/>
+              <a:alpha val="60000"/>
+              <a:hueMod val="94000"/>
+            </a:schemeClr>
           </a:solidFill>
           <a:prstDash val="solid"/>
         </a:ln>
-        <a:ln w="10795" cap="flat" cmpd="sng" algn="ctr">
+        <a:ln w="15875" cap="rnd" cmpd="sng" algn="ctr">
           <a:solidFill>
-            <a:schemeClr val="phClr"/>
+            <a:schemeClr val="phClr">
+              <a:hueMod val="94000"/>
+            </a:schemeClr>
           </a:solidFill>
           <a:prstDash val="solid"/>
         </a:ln>
-        <a:ln w="17145" cap="flat" cmpd="sng" algn="ctr">
+        <a:ln w="28575" cap="rnd" cmpd="sng" algn="ctr">
           <a:solidFill>
-            <a:schemeClr val="phClr">
-              <a:shade val="95000"/>
-              <a:alpha val="50000"/>
-              <a:satMod val="150000"/>
-            </a:schemeClr>
+            <a:schemeClr val="phClr"/>
           </a:solidFill>
           <a:prstDash val="solid"/>
         </a:ln>
@@ -3894,13 +6000,19 @@
           <a:effectLst/>
         </a:effectStyle>
         <a:effectStyle>
-          <a:effectLst/>
+          <a:effectLst>
+            <a:innerShdw blurRad="25400" dist="12700" dir="13500000">
+              <a:srgbClr val="000000">
+                <a:alpha val="45000"/>
+              </a:srgbClr>
+            </a:innerShdw>
+          </a:effectLst>
         </a:effectStyle>
         <a:effectStyle>
           <a:effectLst>
-            <a:outerShdw blurRad="44450" dist="13970" dir="5400000" algn="ctr" rotWithShape="0">
+            <a:outerShdw blurRad="50800" dist="38100" dir="5400000" rotWithShape="0">
               <a:srgbClr val="000000">
-                <a:alpha val="45000"/>
+                <a:alpha val="46000"/>
               </a:srgbClr>
             </a:outerShdw>
           </a:effectLst>
@@ -3908,10 +6020,10 @@
             <a:camera prst="orthographicFront">
               <a:rot lat="0" lon="0" rev="0"/>
             </a:camera>
-            <a:lightRig rig="twoPt" dir="tl"/>
+            <a:lightRig rig="threePt" dir="t"/>
           </a:scene3d>
-          <a:sp3d prstMaterial="flat">
-            <a:bevelT w="12700" h="25400" prst="coolSlant"/>
+          <a:sp3d prstMaterial="plastic">
+            <a:bevelT w="25400" h="25400"/>
           </a:sp3d>
         </a:effectStyle>
       </a:effectStyleLst>
@@ -3919,39 +6031,47 @@
         <a:solidFill>
           <a:schemeClr val="phClr"/>
         </a:solidFill>
-        <a:solidFill>
-          <a:schemeClr val="phClr">
-            <a:tint val="95000"/>
-            <a:satMod val="170000"/>
-          </a:schemeClr>
-        </a:solidFill>
+        <a:gradFill rotWithShape="1">
+          <a:gsLst>
+            <a:gs pos="10000">
+              <a:schemeClr val="phClr">
+                <a:tint val="97000"/>
+                <a:hueMod val="92000"/>
+                <a:satMod val="169000"/>
+                <a:lumMod val="164000"/>
+              </a:schemeClr>
+            </a:gs>
+            <a:gs pos="100000">
+              <a:schemeClr val="phClr">
+                <a:shade val="96000"/>
+                <a:satMod val="120000"/>
+                <a:lumMod val="90000"/>
+              </a:schemeClr>
+            </a:gs>
+          </a:gsLst>
+          <a:lin ang="6120000" scaled="1"/>
+        </a:gradFill>
         <a:gradFill rotWithShape="1">
           <a:gsLst>
             <a:gs pos="0">
               <a:schemeClr val="phClr">
-                <a:tint val="93000"/>
-                <a:shade val="98000"/>
-                <a:satMod val="120000"/>
-                <a:lumMod val="102000"/>
-              </a:schemeClr>
-            </a:gs>
-            <a:gs pos="48000">
-              <a:schemeClr val="phClr">
-                <a:tint val="98000"/>
-                <a:shade val="90000"/>
-                <a:satMod val="110000"/>
-                <a:lumMod val="103000"/>
+                <a:tint val="97000"/>
+                <a:hueMod val="92000"/>
+                <a:satMod val="169000"/>
+                <a:lumMod val="164000"/>
               </a:schemeClr>
             </a:gs>
             <a:gs pos="100000">
               <a:schemeClr val="phClr">
-                <a:tint val="98000"/>
-                <a:shade val="80000"/>
-                <a:satMod val="100000"/>
+                <a:shade val="96000"/>
+                <a:satMod val="120000"/>
+                <a:lumMod val="90000"/>
               </a:schemeClr>
             </a:gs>
           </a:gsLst>
-          <a:lin ang="5400000" scaled="0"/>
+          <a:path path="circle">
+            <a:fillToRect b="100000"/>
+          </a:path>
         </a:gradFill>
       </a:bgFillStyleLst>
     </a:fmtScheme>
@@ -3960,7 +6080,7 @@
   <a:extraClrSchemeLst/>
   <a:extLst>
     <a:ext uri="{05A4C25C-085E-4340-85A3-A5531E510DB2}">
-      <thm15:themeFamily xmlns:thm15="http://schemas.microsoft.com/office/thememl/2012/main" name="Frame" id="{F226E7A2-7162-461C-9490-D27D9DC04E43}" vid="{629A0216-3BBD-45C0-B63F-2683BEA18F60}"/>
+      <thm15:themeFamily xmlns:thm15="http://schemas.microsoft.com/office/thememl/2012/main" name="Slice" id="{0507925B-6AC9-4358-8E18-C330545D08F8}" vid="{13FEC7C6-62A9-40C4-99D2-581AACACAA2F}"/>
     </a:ext>
   </a:extLst>
 </a:theme>
